--- a/2차 프로젝트 발표/2차 프로젝트 발표.pptx
+++ b/2차 프로젝트 발표/2차 프로젝트 발표.pptx
@@ -12,8 +12,9 @@
     <p:sldId id="271" r:id="rId6"/>
     <p:sldId id="272" r:id="rId7"/>
     <p:sldId id="273" r:id="rId8"/>
-    <p:sldId id="274" r:id="rId9"/>
-    <p:sldId id="275" r:id="rId10"/>
+    <p:sldId id="275" r:id="rId9"/>
+    <p:sldId id="274" r:id="rId10"/>
+    <p:sldId id="277" r:id="rId11"/>
   </p:sldIdLst>
   <p:sldSz cx="12192000" cy="6858000"/>
   <p:notesSz cx="6858000" cy="9144000"/>
@@ -112,6 +113,11 @@
       </a:defRPr>
     </a:lvl9pPr>
   </p:defaultTextStyle>
+  <p:extLst>
+    <p:ext uri="{EFAFB233-063F-42B5-8137-9DF3F51BA10A}">
+      <p15:sldGuideLst xmlns:p15="http://schemas.microsoft.com/office/powerpoint/2012/main"/>
+    </p:ext>
+  </p:extLst>
 </p:presentation>
 </file>
 
@@ -262,7 +268,7 @@
           <a:p>
             <a:fld id="{18C089BE-E40A-4AFB-B804-449FB04F6E66}" type="datetimeFigureOut">
               <a:rPr lang="ko-KR" altLang="en-US" smtClean="0"/>
-              <a:t>2022-10-17</a:t>
+              <a:t>2022-10-18</a:t>
             </a:fld>
             <a:endParaRPr lang="ko-KR" altLang="en-US"/>
           </a:p>
@@ -460,7 +466,7 @@
           <a:p>
             <a:fld id="{18C089BE-E40A-4AFB-B804-449FB04F6E66}" type="datetimeFigureOut">
               <a:rPr lang="ko-KR" altLang="en-US" smtClean="0"/>
-              <a:t>2022-10-17</a:t>
+              <a:t>2022-10-18</a:t>
             </a:fld>
             <a:endParaRPr lang="ko-KR" altLang="en-US"/>
           </a:p>
@@ -668,7 +674,7 @@
           <a:p>
             <a:fld id="{18C089BE-E40A-4AFB-B804-449FB04F6E66}" type="datetimeFigureOut">
               <a:rPr lang="ko-KR" altLang="en-US" smtClean="0"/>
-              <a:t>2022-10-17</a:t>
+              <a:t>2022-10-18</a:t>
             </a:fld>
             <a:endParaRPr lang="ko-KR" altLang="en-US"/>
           </a:p>
@@ -866,7 +872,7 @@
           <a:p>
             <a:fld id="{18C089BE-E40A-4AFB-B804-449FB04F6E66}" type="datetimeFigureOut">
               <a:rPr lang="ko-KR" altLang="en-US" smtClean="0"/>
-              <a:t>2022-10-17</a:t>
+              <a:t>2022-10-18</a:t>
             </a:fld>
             <a:endParaRPr lang="ko-KR" altLang="en-US"/>
           </a:p>
@@ -1141,7 +1147,7 @@
           <a:p>
             <a:fld id="{18C089BE-E40A-4AFB-B804-449FB04F6E66}" type="datetimeFigureOut">
               <a:rPr lang="ko-KR" altLang="en-US" smtClean="0"/>
-              <a:t>2022-10-17</a:t>
+              <a:t>2022-10-18</a:t>
             </a:fld>
             <a:endParaRPr lang="ko-KR" altLang="en-US"/>
           </a:p>
@@ -1406,7 +1412,7 @@
           <a:p>
             <a:fld id="{18C089BE-E40A-4AFB-B804-449FB04F6E66}" type="datetimeFigureOut">
               <a:rPr lang="ko-KR" altLang="en-US" smtClean="0"/>
-              <a:t>2022-10-17</a:t>
+              <a:t>2022-10-18</a:t>
             </a:fld>
             <a:endParaRPr lang="ko-KR" altLang="en-US"/>
           </a:p>
@@ -1818,7 +1824,7 @@
           <a:p>
             <a:fld id="{18C089BE-E40A-4AFB-B804-449FB04F6E66}" type="datetimeFigureOut">
               <a:rPr lang="ko-KR" altLang="en-US" smtClean="0"/>
-              <a:t>2022-10-17</a:t>
+              <a:t>2022-10-18</a:t>
             </a:fld>
             <a:endParaRPr lang="ko-KR" altLang="en-US"/>
           </a:p>
@@ -1959,7 +1965,7 @@
           <a:p>
             <a:fld id="{18C089BE-E40A-4AFB-B804-449FB04F6E66}" type="datetimeFigureOut">
               <a:rPr lang="ko-KR" altLang="en-US" smtClean="0"/>
-              <a:t>2022-10-17</a:t>
+              <a:t>2022-10-18</a:t>
             </a:fld>
             <a:endParaRPr lang="ko-KR" altLang="en-US"/>
           </a:p>
@@ -2072,7 +2078,7 @@
           <a:p>
             <a:fld id="{18C089BE-E40A-4AFB-B804-449FB04F6E66}" type="datetimeFigureOut">
               <a:rPr lang="ko-KR" altLang="en-US" smtClean="0"/>
-              <a:t>2022-10-17</a:t>
+              <a:t>2022-10-18</a:t>
             </a:fld>
             <a:endParaRPr lang="ko-KR" altLang="en-US"/>
           </a:p>
@@ -2383,7 +2389,7 @@
           <a:p>
             <a:fld id="{18C089BE-E40A-4AFB-B804-449FB04F6E66}" type="datetimeFigureOut">
               <a:rPr lang="ko-KR" altLang="en-US" smtClean="0"/>
-              <a:t>2022-10-17</a:t>
+              <a:t>2022-10-18</a:t>
             </a:fld>
             <a:endParaRPr lang="ko-KR" altLang="en-US"/>
           </a:p>
@@ -2671,7 +2677,7 @@
           <a:p>
             <a:fld id="{18C089BE-E40A-4AFB-B804-449FB04F6E66}" type="datetimeFigureOut">
               <a:rPr lang="ko-KR" altLang="en-US" smtClean="0"/>
-              <a:t>2022-10-17</a:t>
+              <a:t>2022-10-18</a:t>
             </a:fld>
             <a:endParaRPr lang="ko-KR" altLang="en-US"/>
           </a:p>
@@ -2912,7 +2918,7 @@
           <a:p>
             <a:fld id="{18C089BE-E40A-4AFB-B804-449FB04F6E66}" type="datetimeFigureOut">
               <a:rPr lang="ko-KR" altLang="en-US" smtClean="0"/>
-              <a:t>2022-10-17</a:t>
+              <a:t>2022-10-18</a:t>
             </a:fld>
             <a:endParaRPr lang="ko-KR" altLang="en-US"/>
           </a:p>
@@ -4307,6 +4313,1144 @@
 </p:sld>
 </file>
 
+<file path=ppt/slides/slide10.xml><?xml version="1.0" encoding="utf-8"?>
+<p:sld xmlns:a="http://schemas.openxmlformats.org/drawingml/2006/main" xmlns:r="http://schemas.openxmlformats.org/officeDocument/2006/relationships" xmlns:p="http://schemas.openxmlformats.org/presentationml/2006/main">
+  <p:cSld>
+    <p:spTree>
+      <p:nvGrpSpPr>
+        <p:cNvPr id="1" name=""/>
+        <p:cNvGrpSpPr/>
+        <p:nvPr/>
+      </p:nvGrpSpPr>
+      <p:grpSpPr>
+        <a:xfrm>
+          <a:off x="0" y="0"/>
+          <a:ext cx="0" cy="0"/>
+          <a:chOff x="0" y="0"/>
+          <a:chExt cx="0" cy="0"/>
+        </a:xfrm>
+      </p:grpSpPr>
+      <p:sp>
+        <p:nvSpPr>
+          <p:cNvPr id="4" name="직사각형 3">
+            <a:extLst>
+              <a:ext uri="{FF2B5EF4-FFF2-40B4-BE49-F238E27FC236}">
+                <a16:creationId xmlns:a16="http://schemas.microsoft.com/office/drawing/2014/main" id="{0EB0B144-4144-CA96-2846-A6BC140822AA}"/>
+              </a:ext>
+            </a:extLst>
+          </p:cNvPr>
+          <p:cNvSpPr/>
+          <p:nvPr/>
+        </p:nvSpPr>
+        <p:spPr>
+          <a:xfrm>
+            <a:off x="0" y="0"/>
+            <a:ext cx="12192000" cy="6858000"/>
+          </a:xfrm>
+          <a:prstGeom prst="rect">
+            <a:avLst/>
+          </a:prstGeom>
+          <a:solidFill>
+            <a:schemeClr val="accent5">
+              <a:lumMod val="40000"/>
+              <a:lumOff val="60000"/>
+            </a:schemeClr>
+          </a:solidFill>
+          <a:ln>
+            <a:solidFill>
+              <a:srgbClr val="DDF1FC"/>
+            </a:solidFill>
+          </a:ln>
+        </p:spPr>
+        <p:style>
+          <a:lnRef idx="2">
+            <a:schemeClr val="accent1">
+              <a:shade val="50000"/>
+            </a:schemeClr>
+          </a:lnRef>
+          <a:fillRef idx="1">
+            <a:schemeClr val="accent1"/>
+          </a:fillRef>
+          <a:effectRef idx="0">
+            <a:schemeClr val="accent1"/>
+          </a:effectRef>
+          <a:fontRef idx="minor">
+            <a:schemeClr val="lt1"/>
+          </a:fontRef>
+        </p:style>
+        <p:txBody>
+          <a:bodyPr rtlCol="0" anchor="ctr"/>
+          <a:lstStyle/>
+          <a:p>
+            <a:pPr algn="ctr"/>
+            <a:endParaRPr lang="ko-KR" altLang="en-US" dirty="0"/>
+          </a:p>
+        </p:txBody>
+      </p:sp>
+      <p:pic>
+        <p:nvPicPr>
+          <p:cNvPr id="22" name="그림 21">
+            <a:extLst>
+              <a:ext uri="{FF2B5EF4-FFF2-40B4-BE49-F238E27FC236}">
+                <a16:creationId xmlns:a16="http://schemas.microsoft.com/office/drawing/2014/main" id="{DC60CC55-91DC-63D0-E0E3-0C42CBB9924A}"/>
+              </a:ext>
+            </a:extLst>
+          </p:cNvPr>
+          <p:cNvPicPr>
+            <a:picLocks noChangeAspect="1"/>
+          </p:cNvPicPr>
+          <p:nvPr/>
+        </p:nvPicPr>
+        <p:blipFill>
+          <a:blip r:embed="rId2">
+            <a:extLst>
+              <a:ext uri="{BEBA8EAE-BF5A-486C-A8C5-ECC9F3942E4B}">
+                <a14:imgProps xmlns:a14="http://schemas.microsoft.com/office/drawing/2010/main">
+                  <a14:imgLayer r:embed="rId3">
+                    <a14:imgEffect>
+                      <a14:backgroundRemoval t="10000" b="90000" l="10000" r="90000"/>
+                    </a14:imgEffect>
+                  </a14:imgLayer>
+                </a14:imgProps>
+              </a:ext>
+              <a:ext uri="{28A0092B-C50C-407E-A947-70E740481C1C}">
+                <a14:useLocalDpi xmlns:a14="http://schemas.microsoft.com/office/drawing/2010/main" val="0"/>
+              </a:ext>
+            </a:extLst>
+          </a:blip>
+          <a:stretch>
+            <a:fillRect/>
+          </a:stretch>
+        </p:blipFill>
+        <p:spPr>
+          <a:xfrm>
+            <a:off x="-11314" y="-136059"/>
+            <a:ext cx="748903" cy="748903"/>
+          </a:xfrm>
+          <a:prstGeom prst="rect">
+            <a:avLst/>
+          </a:prstGeom>
+        </p:spPr>
+      </p:pic>
+      <p:pic>
+        <p:nvPicPr>
+          <p:cNvPr id="23" name="그림 22">
+            <a:extLst>
+              <a:ext uri="{FF2B5EF4-FFF2-40B4-BE49-F238E27FC236}">
+                <a16:creationId xmlns:a16="http://schemas.microsoft.com/office/drawing/2014/main" id="{8AC45432-4681-D16C-A048-10186A308F67}"/>
+              </a:ext>
+            </a:extLst>
+          </p:cNvPr>
+          <p:cNvPicPr>
+            <a:picLocks noChangeAspect="1"/>
+          </p:cNvPicPr>
+          <p:nvPr/>
+        </p:nvPicPr>
+        <p:blipFill>
+          <a:blip r:embed="rId2">
+            <a:extLst>
+              <a:ext uri="{BEBA8EAE-BF5A-486C-A8C5-ECC9F3942E4B}">
+                <a14:imgProps xmlns:a14="http://schemas.microsoft.com/office/drawing/2010/main">
+                  <a14:imgLayer r:embed="rId3">
+                    <a14:imgEffect>
+                      <a14:backgroundRemoval t="10000" b="90000" l="10000" r="90000"/>
+                    </a14:imgEffect>
+                  </a14:imgLayer>
+                </a14:imgProps>
+              </a:ext>
+              <a:ext uri="{28A0092B-C50C-407E-A947-70E740481C1C}">
+                <a14:useLocalDpi xmlns:a14="http://schemas.microsoft.com/office/drawing/2010/main" val="0"/>
+              </a:ext>
+            </a:extLst>
+          </a:blip>
+          <a:stretch>
+            <a:fillRect/>
+          </a:stretch>
+        </p:blipFill>
+        <p:spPr>
+          <a:xfrm>
+            <a:off x="4320276" y="-136062"/>
+            <a:ext cx="748903" cy="748903"/>
+          </a:xfrm>
+          <a:prstGeom prst="rect">
+            <a:avLst/>
+          </a:prstGeom>
+        </p:spPr>
+      </p:pic>
+      <p:pic>
+        <p:nvPicPr>
+          <p:cNvPr id="25" name="그림 24">
+            <a:extLst>
+              <a:ext uri="{FF2B5EF4-FFF2-40B4-BE49-F238E27FC236}">
+                <a16:creationId xmlns:a16="http://schemas.microsoft.com/office/drawing/2014/main" id="{A5531794-C219-8EA8-03C2-F1BB370F51CA}"/>
+              </a:ext>
+            </a:extLst>
+          </p:cNvPr>
+          <p:cNvPicPr>
+            <a:picLocks noChangeAspect="1"/>
+          </p:cNvPicPr>
+          <p:nvPr/>
+        </p:nvPicPr>
+        <p:blipFill>
+          <a:blip r:embed="rId2">
+            <a:extLst>
+              <a:ext uri="{BEBA8EAE-BF5A-486C-A8C5-ECC9F3942E4B}">
+                <a14:imgProps xmlns:a14="http://schemas.microsoft.com/office/drawing/2010/main">
+                  <a14:imgLayer r:embed="rId3">
+                    <a14:imgEffect>
+                      <a14:backgroundRemoval t="10000" b="90000" l="10000" r="90000"/>
+                    </a14:imgEffect>
+                  </a14:imgLayer>
+                </a14:imgProps>
+              </a:ext>
+              <a:ext uri="{28A0092B-C50C-407E-A947-70E740481C1C}">
+                <a14:useLocalDpi xmlns:a14="http://schemas.microsoft.com/office/drawing/2010/main" val="0"/>
+              </a:ext>
+            </a:extLst>
+          </a:blip>
+          <a:stretch>
+            <a:fillRect/>
+          </a:stretch>
+        </p:blipFill>
+        <p:spPr>
+          <a:xfrm>
+            <a:off x="1373564" y="-136061"/>
+            <a:ext cx="748903" cy="748903"/>
+          </a:xfrm>
+          <a:prstGeom prst="rect">
+            <a:avLst/>
+          </a:prstGeom>
+        </p:spPr>
+      </p:pic>
+      <p:pic>
+        <p:nvPicPr>
+          <p:cNvPr id="29" name="그림 28">
+            <a:extLst>
+              <a:ext uri="{FF2B5EF4-FFF2-40B4-BE49-F238E27FC236}">
+                <a16:creationId xmlns:a16="http://schemas.microsoft.com/office/drawing/2014/main" id="{8F144BBC-6218-E326-C0AE-59020247C400}"/>
+              </a:ext>
+            </a:extLst>
+          </p:cNvPr>
+          <p:cNvPicPr>
+            <a:picLocks noChangeAspect="1"/>
+          </p:cNvPicPr>
+          <p:nvPr/>
+        </p:nvPicPr>
+        <p:blipFill>
+          <a:blip r:embed="rId2">
+            <a:extLst>
+              <a:ext uri="{BEBA8EAE-BF5A-486C-A8C5-ECC9F3942E4B}">
+                <a14:imgProps xmlns:a14="http://schemas.microsoft.com/office/drawing/2010/main">
+                  <a14:imgLayer r:embed="rId3">
+                    <a14:imgEffect>
+                      <a14:backgroundRemoval t="10000" b="90000" l="10000" r="90000"/>
+                    </a14:imgEffect>
+                  </a14:imgLayer>
+                </a14:imgProps>
+              </a:ext>
+              <a:ext uri="{28A0092B-C50C-407E-A947-70E740481C1C}">
+                <a14:useLocalDpi xmlns:a14="http://schemas.microsoft.com/office/drawing/2010/main" val="0"/>
+              </a:ext>
+            </a:extLst>
+          </a:blip>
+          <a:stretch>
+            <a:fillRect/>
+          </a:stretch>
+        </p:blipFill>
+        <p:spPr>
+          <a:xfrm>
+            <a:off x="7187758" y="-131140"/>
+            <a:ext cx="748903" cy="748903"/>
+          </a:xfrm>
+          <a:prstGeom prst="rect">
+            <a:avLst/>
+          </a:prstGeom>
+        </p:spPr>
+      </p:pic>
+      <p:pic>
+        <p:nvPicPr>
+          <p:cNvPr id="31" name="그림 30">
+            <a:extLst>
+              <a:ext uri="{FF2B5EF4-FFF2-40B4-BE49-F238E27FC236}">
+                <a16:creationId xmlns:a16="http://schemas.microsoft.com/office/drawing/2014/main" id="{DD42C9EF-C7F0-E564-DFBA-1580F899337F}"/>
+              </a:ext>
+            </a:extLst>
+          </p:cNvPr>
+          <p:cNvPicPr>
+            <a:picLocks noChangeAspect="1"/>
+          </p:cNvPicPr>
+          <p:nvPr/>
+        </p:nvPicPr>
+        <p:blipFill>
+          <a:blip r:embed="rId2">
+            <a:extLst>
+              <a:ext uri="{BEBA8EAE-BF5A-486C-A8C5-ECC9F3942E4B}">
+                <a14:imgProps xmlns:a14="http://schemas.microsoft.com/office/drawing/2010/main">
+                  <a14:imgLayer r:embed="rId3">
+                    <a14:imgEffect>
+                      <a14:backgroundRemoval t="10000" b="90000" l="10000" r="90000"/>
+                    </a14:imgEffect>
+                  </a14:imgLayer>
+                </a14:imgProps>
+              </a:ext>
+              <a:ext uri="{28A0092B-C50C-407E-A947-70E740481C1C}">
+                <a14:useLocalDpi xmlns:a14="http://schemas.microsoft.com/office/drawing/2010/main" val="0"/>
+              </a:ext>
+            </a:extLst>
+          </a:blip>
+          <a:stretch>
+            <a:fillRect/>
+          </a:stretch>
+        </p:blipFill>
+        <p:spPr>
+          <a:xfrm>
+            <a:off x="5745818" y="-136062"/>
+            <a:ext cx="748903" cy="748903"/>
+          </a:xfrm>
+          <a:prstGeom prst="rect">
+            <a:avLst/>
+          </a:prstGeom>
+        </p:spPr>
+      </p:pic>
+      <p:pic>
+        <p:nvPicPr>
+          <p:cNvPr id="33" name="그림 32">
+            <a:extLst>
+              <a:ext uri="{FF2B5EF4-FFF2-40B4-BE49-F238E27FC236}">
+                <a16:creationId xmlns:a16="http://schemas.microsoft.com/office/drawing/2014/main" id="{8F48A356-2138-0651-E784-7F227062BEDF}"/>
+              </a:ext>
+            </a:extLst>
+          </p:cNvPr>
+          <p:cNvPicPr>
+            <a:picLocks noChangeAspect="1"/>
+          </p:cNvPicPr>
+          <p:nvPr/>
+        </p:nvPicPr>
+        <p:blipFill>
+          <a:blip r:embed="rId2">
+            <a:extLst>
+              <a:ext uri="{BEBA8EAE-BF5A-486C-A8C5-ECC9F3942E4B}">
+                <a14:imgProps xmlns:a14="http://schemas.microsoft.com/office/drawing/2010/main">
+                  <a14:imgLayer r:embed="rId3">
+                    <a14:imgEffect>
+                      <a14:backgroundRemoval t="10000" b="90000" l="10000" r="90000"/>
+                    </a14:imgEffect>
+                  </a14:imgLayer>
+                </a14:imgProps>
+              </a:ext>
+              <a:ext uri="{28A0092B-C50C-407E-A947-70E740481C1C}">
+                <a14:useLocalDpi xmlns:a14="http://schemas.microsoft.com/office/drawing/2010/main" val="0"/>
+              </a:ext>
+            </a:extLst>
+          </a:blip>
+          <a:stretch>
+            <a:fillRect/>
+          </a:stretch>
+        </p:blipFill>
+        <p:spPr>
+          <a:xfrm>
+            <a:off x="8626069" y="-136063"/>
+            <a:ext cx="748903" cy="748903"/>
+          </a:xfrm>
+          <a:prstGeom prst="rect">
+            <a:avLst/>
+          </a:prstGeom>
+        </p:spPr>
+      </p:pic>
+      <p:pic>
+        <p:nvPicPr>
+          <p:cNvPr id="34" name="그림 33">
+            <a:extLst>
+              <a:ext uri="{FF2B5EF4-FFF2-40B4-BE49-F238E27FC236}">
+                <a16:creationId xmlns:a16="http://schemas.microsoft.com/office/drawing/2014/main" id="{E4ECA930-6541-6E3C-614F-CBA8913E5069}"/>
+              </a:ext>
+            </a:extLst>
+          </p:cNvPr>
+          <p:cNvPicPr>
+            <a:picLocks noChangeAspect="1"/>
+          </p:cNvPicPr>
+          <p:nvPr/>
+        </p:nvPicPr>
+        <p:blipFill>
+          <a:blip r:embed="rId2">
+            <a:extLst>
+              <a:ext uri="{BEBA8EAE-BF5A-486C-A8C5-ECC9F3942E4B}">
+                <a14:imgProps xmlns:a14="http://schemas.microsoft.com/office/drawing/2010/main">
+                  <a14:imgLayer r:embed="rId3">
+                    <a14:imgEffect>
+                      <a14:backgroundRemoval t="10000" b="90000" l="10000" r="90000"/>
+                    </a14:imgEffect>
+                  </a14:imgLayer>
+                </a14:imgProps>
+              </a:ext>
+              <a:ext uri="{28A0092B-C50C-407E-A947-70E740481C1C}">
+                <a14:useLocalDpi xmlns:a14="http://schemas.microsoft.com/office/drawing/2010/main" val="0"/>
+              </a:ext>
+            </a:extLst>
+          </a:blip>
+          <a:stretch>
+            <a:fillRect/>
+          </a:stretch>
+        </p:blipFill>
+        <p:spPr>
+          <a:xfrm>
+            <a:off x="11471638" y="-126679"/>
+            <a:ext cx="748903" cy="748903"/>
+          </a:xfrm>
+          <a:prstGeom prst="rect">
+            <a:avLst/>
+          </a:prstGeom>
+        </p:spPr>
+      </p:pic>
+      <p:pic>
+        <p:nvPicPr>
+          <p:cNvPr id="35" name="그림 34">
+            <a:extLst>
+              <a:ext uri="{FF2B5EF4-FFF2-40B4-BE49-F238E27FC236}">
+                <a16:creationId xmlns:a16="http://schemas.microsoft.com/office/drawing/2014/main" id="{0440C909-E976-7DAA-0366-F3B6E49FDB79}"/>
+              </a:ext>
+            </a:extLst>
+          </p:cNvPr>
+          <p:cNvPicPr>
+            <a:picLocks noChangeAspect="1"/>
+          </p:cNvPicPr>
+          <p:nvPr/>
+        </p:nvPicPr>
+        <p:blipFill>
+          <a:blip r:embed="rId2">
+            <a:extLst>
+              <a:ext uri="{BEBA8EAE-BF5A-486C-A8C5-ECC9F3942E4B}">
+                <a14:imgProps xmlns:a14="http://schemas.microsoft.com/office/drawing/2010/main">
+                  <a14:imgLayer r:embed="rId3">
+                    <a14:imgEffect>
+                      <a14:backgroundRemoval t="10000" b="90000" l="10000" r="90000"/>
+                    </a14:imgEffect>
+                  </a14:imgLayer>
+                </a14:imgProps>
+              </a:ext>
+              <a:ext uri="{28A0092B-C50C-407E-A947-70E740481C1C}">
+                <a14:useLocalDpi xmlns:a14="http://schemas.microsoft.com/office/drawing/2010/main" val="0"/>
+              </a:ext>
+            </a:extLst>
+          </a:blip>
+          <a:stretch>
+            <a:fillRect/>
+          </a:stretch>
+        </p:blipFill>
+        <p:spPr>
+          <a:xfrm>
+            <a:off x="2795477" y="-136061"/>
+            <a:ext cx="748903" cy="748903"/>
+          </a:xfrm>
+          <a:prstGeom prst="rect">
+            <a:avLst/>
+          </a:prstGeom>
+        </p:spPr>
+      </p:pic>
+      <p:pic>
+        <p:nvPicPr>
+          <p:cNvPr id="36" name="그림 35">
+            <a:extLst>
+              <a:ext uri="{FF2B5EF4-FFF2-40B4-BE49-F238E27FC236}">
+                <a16:creationId xmlns:a16="http://schemas.microsoft.com/office/drawing/2014/main" id="{9583210B-FC0A-08BE-9012-E3B7EB6E7AC6}"/>
+              </a:ext>
+            </a:extLst>
+          </p:cNvPr>
+          <p:cNvPicPr>
+            <a:picLocks noChangeAspect="1"/>
+          </p:cNvPicPr>
+          <p:nvPr/>
+        </p:nvPicPr>
+        <p:blipFill>
+          <a:blip r:embed="rId2">
+            <a:extLst>
+              <a:ext uri="{BEBA8EAE-BF5A-486C-A8C5-ECC9F3942E4B}">
+                <a14:imgProps xmlns:a14="http://schemas.microsoft.com/office/drawing/2010/main">
+                  <a14:imgLayer r:embed="rId3">
+                    <a14:imgEffect>
+                      <a14:backgroundRemoval t="10000" b="90000" l="10000" r="90000"/>
+                    </a14:imgEffect>
+                  </a14:imgLayer>
+                </a14:imgProps>
+              </a:ext>
+              <a:ext uri="{28A0092B-C50C-407E-A947-70E740481C1C}">
+                <a14:useLocalDpi xmlns:a14="http://schemas.microsoft.com/office/drawing/2010/main" val="0"/>
+              </a:ext>
+            </a:extLst>
+          </a:blip>
+          <a:stretch>
+            <a:fillRect/>
+          </a:stretch>
+        </p:blipFill>
+        <p:spPr>
+          <a:xfrm>
+            <a:off x="10054652" y="-126679"/>
+            <a:ext cx="748903" cy="748903"/>
+          </a:xfrm>
+          <a:prstGeom prst="rect">
+            <a:avLst/>
+          </a:prstGeom>
+        </p:spPr>
+      </p:pic>
+      <p:pic>
+        <p:nvPicPr>
+          <p:cNvPr id="37" name="그림 36">
+            <a:extLst>
+              <a:ext uri="{FF2B5EF4-FFF2-40B4-BE49-F238E27FC236}">
+                <a16:creationId xmlns:a16="http://schemas.microsoft.com/office/drawing/2014/main" id="{C49A6029-8EAB-29C4-3364-F7FECE87A054}"/>
+              </a:ext>
+            </a:extLst>
+          </p:cNvPr>
+          <p:cNvPicPr>
+            <a:picLocks noChangeAspect="1"/>
+          </p:cNvPicPr>
+          <p:nvPr/>
+        </p:nvPicPr>
+        <p:blipFill>
+          <a:blip r:embed="rId2">
+            <a:extLst>
+              <a:ext uri="{BEBA8EAE-BF5A-486C-A8C5-ECC9F3942E4B}">
+                <a14:imgProps xmlns:a14="http://schemas.microsoft.com/office/drawing/2010/main">
+                  <a14:imgLayer r:embed="rId3">
+                    <a14:imgEffect>
+                      <a14:backgroundRemoval t="10000" b="90000" l="10000" r="90000"/>
+                    </a14:imgEffect>
+                  </a14:imgLayer>
+                </a14:imgProps>
+              </a:ext>
+              <a:ext uri="{28A0092B-C50C-407E-A947-70E740481C1C}">
+                <a14:useLocalDpi xmlns:a14="http://schemas.microsoft.com/office/drawing/2010/main" val="0"/>
+              </a:ext>
+            </a:extLst>
+          </a:blip>
+          <a:stretch>
+            <a:fillRect/>
+          </a:stretch>
+        </p:blipFill>
+        <p:spPr>
+          <a:xfrm>
+            <a:off x="4743" y="6109100"/>
+            <a:ext cx="748903" cy="748903"/>
+          </a:xfrm>
+          <a:prstGeom prst="rect">
+            <a:avLst/>
+          </a:prstGeom>
+        </p:spPr>
+      </p:pic>
+      <p:pic>
+        <p:nvPicPr>
+          <p:cNvPr id="38" name="그림 37">
+            <a:extLst>
+              <a:ext uri="{FF2B5EF4-FFF2-40B4-BE49-F238E27FC236}">
+                <a16:creationId xmlns:a16="http://schemas.microsoft.com/office/drawing/2014/main" id="{6231C688-E019-0F4A-1D33-B8CE8C1E3E50}"/>
+              </a:ext>
+            </a:extLst>
+          </p:cNvPr>
+          <p:cNvPicPr>
+            <a:picLocks noChangeAspect="1"/>
+          </p:cNvPicPr>
+          <p:nvPr/>
+        </p:nvPicPr>
+        <p:blipFill>
+          <a:blip r:embed="rId2">
+            <a:extLst>
+              <a:ext uri="{BEBA8EAE-BF5A-486C-A8C5-ECC9F3942E4B}">
+                <a14:imgProps xmlns:a14="http://schemas.microsoft.com/office/drawing/2010/main">
+                  <a14:imgLayer r:embed="rId3">
+                    <a14:imgEffect>
+                      <a14:backgroundRemoval t="10000" b="90000" l="10000" r="90000"/>
+                    </a14:imgEffect>
+                  </a14:imgLayer>
+                </a14:imgProps>
+              </a:ext>
+              <a:ext uri="{28A0092B-C50C-407E-A947-70E740481C1C}">
+                <a14:useLocalDpi xmlns:a14="http://schemas.microsoft.com/office/drawing/2010/main" val="0"/>
+              </a:ext>
+            </a:extLst>
+          </a:blip>
+          <a:stretch>
+            <a:fillRect/>
+          </a:stretch>
+        </p:blipFill>
+        <p:spPr>
+          <a:xfrm>
+            <a:off x="4336333" y="6109097"/>
+            <a:ext cx="748903" cy="748903"/>
+          </a:xfrm>
+          <a:prstGeom prst="rect">
+            <a:avLst/>
+          </a:prstGeom>
+        </p:spPr>
+      </p:pic>
+      <p:pic>
+        <p:nvPicPr>
+          <p:cNvPr id="39" name="그림 38">
+            <a:extLst>
+              <a:ext uri="{FF2B5EF4-FFF2-40B4-BE49-F238E27FC236}">
+                <a16:creationId xmlns:a16="http://schemas.microsoft.com/office/drawing/2014/main" id="{B9875F6C-7691-DF15-9C90-8E45F0F0FAEC}"/>
+              </a:ext>
+            </a:extLst>
+          </p:cNvPr>
+          <p:cNvPicPr>
+            <a:picLocks noChangeAspect="1"/>
+          </p:cNvPicPr>
+          <p:nvPr/>
+        </p:nvPicPr>
+        <p:blipFill>
+          <a:blip r:embed="rId2">
+            <a:extLst>
+              <a:ext uri="{BEBA8EAE-BF5A-486C-A8C5-ECC9F3942E4B}">
+                <a14:imgProps xmlns:a14="http://schemas.microsoft.com/office/drawing/2010/main">
+                  <a14:imgLayer r:embed="rId3">
+                    <a14:imgEffect>
+                      <a14:backgroundRemoval t="10000" b="90000" l="10000" r="90000"/>
+                    </a14:imgEffect>
+                  </a14:imgLayer>
+                </a14:imgProps>
+              </a:ext>
+              <a:ext uri="{28A0092B-C50C-407E-A947-70E740481C1C}">
+                <a14:useLocalDpi xmlns:a14="http://schemas.microsoft.com/office/drawing/2010/main" val="0"/>
+              </a:ext>
+            </a:extLst>
+          </a:blip>
+          <a:stretch>
+            <a:fillRect/>
+          </a:stretch>
+        </p:blipFill>
+        <p:spPr>
+          <a:xfrm>
+            <a:off x="1389621" y="6109098"/>
+            <a:ext cx="748903" cy="748903"/>
+          </a:xfrm>
+          <a:prstGeom prst="rect">
+            <a:avLst/>
+          </a:prstGeom>
+        </p:spPr>
+      </p:pic>
+      <p:pic>
+        <p:nvPicPr>
+          <p:cNvPr id="40" name="그림 39">
+            <a:extLst>
+              <a:ext uri="{FF2B5EF4-FFF2-40B4-BE49-F238E27FC236}">
+                <a16:creationId xmlns:a16="http://schemas.microsoft.com/office/drawing/2014/main" id="{FCA82E6D-56C5-B0B1-838C-08D4FB1F3BBA}"/>
+              </a:ext>
+            </a:extLst>
+          </p:cNvPr>
+          <p:cNvPicPr>
+            <a:picLocks noChangeAspect="1"/>
+          </p:cNvPicPr>
+          <p:nvPr/>
+        </p:nvPicPr>
+        <p:blipFill>
+          <a:blip r:embed="rId2">
+            <a:extLst>
+              <a:ext uri="{BEBA8EAE-BF5A-486C-A8C5-ECC9F3942E4B}">
+                <a14:imgProps xmlns:a14="http://schemas.microsoft.com/office/drawing/2010/main">
+                  <a14:imgLayer r:embed="rId3">
+                    <a14:imgEffect>
+                      <a14:backgroundRemoval t="10000" b="90000" l="10000" r="90000"/>
+                    </a14:imgEffect>
+                  </a14:imgLayer>
+                </a14:imgProps>
+              </a:ext>
+              <a:ext uri="{28A0092B-C50C-407E-A947-70E740481C1C}">
+                <a14:useLocalDpi xmlns:a14="http://schemas.microsoft.com/office/drawing/2010/main" val="0"/>
+              </a:ext>
+            </a:extLst>
+          </a:blip>
+          <a:stretch>
+            <a:fillRect/>
+          </a:stretch>
+        </p:blipFill>
+        <p:spPr>
+          <a:xfrm>
+            <a:off x="7203815" y="6114019"/>
+            <a:ext cx="748903" cy="748903"/>
+          </a:xfrm>
+          <a:prstGeom prst="rect">
+            <a:avLst/>
+          </a:prstGeom>
+        </p:spPr>
+      </p:pic>
+      <p:pic>
+        <p:nvPicPr>
+          <p:cNvPr id="41" name="그림 40">
+            <a:extLst>
+              <a:ext uri="{FF2B5EF4-FFF2-40B4-BE49-F238E27FC236}">
+                <a16:creationId xmlns:a16="http://schemas.microsoft.com/office/drawing/2014/main" id="{14790138-6395-2B09-896D-D2B5A038954C}"/>
+              </a:ext>
+            </a:extLst>
+          </p:cNvPr>
+          <p:cNvPicPr>
+            <a:picLocks noChangeAspect="1"/>
+          </p:cNvPicPr>
+          <p:nvPr/>
+        </p:nvPicPr>
+        <p:blipFill>
+          <a:blip r:embed="rId2">
+            <a:extLst>
+              <a:ext uri="{BEBA8EAE-BF5A-486C-A8C5-ECC9F3942E4B}">
+                <a14:imgProps xmlns:a14="http://schemas.microsoft.com/office/drawing/2010/main">
+                  <a14:imgLayer r:embed="rId3">
+                    <a14:imgEffect>
+                      <a14:backgroundRemoval t="10000" b="90000" l="10000" r="90000"/>
+                    </a14:imgEffect>
+                  </a14:imgLayer>
+                </a14:imgProps>
+              </a:ext>
+              <a:ext uri="{28A0092B-C50C-407E-A947-70E740481C1C}">
+                <a14:useLocalDpi xmlns:a14="http://schemas.microsoft.com/office/drawing/2010/main" val="0"/>
+              </a:ext>
+            </a:extLst>
+          </a:blip>
+          <a:stretch>
+            <a:fillRect/>
+          </a:stretch>
+        </p:blipFill>
+        <p:spPr>
+          <a:xfrm>
+            <a:off x="5761875" y="6109097"/>
+            <a:ext cx="748903" cy="748903"/>
+          </a:xfrm>
+          <a:prstGeom prst="rect">
+            <a:avLst/>
+          </a:prstGeom>
+        </p:spPr>
+      </p:pic>
+      <p:pic>
+        <p:nvPicPr>
+          <p:cNvPr id="42" name="그림 41">
+            <a:extLst>
+              <a:ext uri="{FF2B5EF4-FFF2-40B4-BE49-F238E27FC236}">
+                <a16:creationId xmlns:a16="http://schemas.microsoft.com/office/drawing/2014/main" id="{F7A11B36-8534-F2A0-6968-FB8003F185AE}"/>
+              </a:ext>
+            </a:extLst>
+          </p:cNvPr>
+          <p:cNvPicPr>
+            <a:picLocks noChangeAspect="1"/>
+          </p:cNvPicPr>
+          <p:nvPr/>
+        </p:nvPicPr>
+        <p:blipFill>
+          <a:blip r:embed="rId2">
+            <a:extLst>
+              <a:ext uri="{BEBA8EAE-BF5A-486C-A8C5-ECC9F3942E4B}">
+                <a14:imgProps xmlns:a14="http://schemas.microsoft.com/office/drawing/2010/main">
+                  <a14:imgLayer r:embed="rId3">
+                    <a14:imgEffect>
+                      <a14:backgroundRemoval t="10000" b="90000" l="10000" r="90000"/>
+                    </a14:imgEffect>
+                  </a14:imgLayer>
+                </a14:imgProps>
+              </a:ext>
+              <a:ext uri="{28A0092B-C50C-407E-A947-70E740481C1C}">
+                <a14:useLocalDpi xmlns:a14="http://schemas.microsoft.com/office/drawing/2010/main" val="0"/>
+              </a:ext>
+            </a:extLst>
+          </a:blip>
+          <a:stretch>
+            <a:fillRect/>
+          </a:stretch>
+        </p:blipFill>
+        <p:spPr>
+          <a:xfrm>
+            <a:off x="8642126" y="6109096"/>
+            <a:ext cx="748903" cy="748903"/>
+          </a:xfrm>
+          <a:prstGeom prst="rect">
+            <a:avLst/>
+          </a:prstGeom>
+        </p:spPr>
+      </p:pic>
+      <p:pic>
+        <p:nvPicPr>
+          <p:cNvPr id="43" name="그림 42">
+            <a:extLst>
+              <a:ext uri="{FF2B5EF4-FFF2-40B4-BE49-F238E27FC236}">
+                <a16:creationId xmlns:a16="http://schemas.microsoft.com/office/drawing/2014/main" id="{1617EC20-124C-1188-240A-F13F830ACBEE}"/>
+              </a:ext>
+            </a:extLst>
+          </p:cNvPr>
+          <p:cNvPicPr>
+            <a:picLocks noChangeAspect="1"/>
+          </p:cNvPicPr>
+          <p:nvPr/>
+        </p:nvPicPr>
+        <p:blipFill>
+          <a:blip r:embed="rId2">
+            <a:extLst>
+              <a:ext uri="{BEBA8EAE-BF5A-486C-A8C5-ECC9F3942E4B}">
+                <a14:imgProps xmlns:a14="http://schemas.microsoft.com/office/drawing/2010/main">
+                  <a14:imgLayer r:embed="rId3">
+                    <a14:imgEffect>
+                      <a14:backgroundRemoval t="10000" b="90000" l="10000" r="90000"/>
+                    </a14:imgEffect>
+                  </a14:imgLayer>
+                </a14:imgProps>
+              </a:ext>
+              <a:ext uri="{28A0092B-C50C-407E-A947-70E740481C1C}">
+                <a14:useLocalDpi xmlns:a14="http://schemas.microsoft.com/office/drawing/2010/main" val="0"/>
+              </a:ext>
+            </a:extLst>
+          </a:blip>
+          <a:stretch>
+            <a:fillRect/>
+          </a:stretch>
+        </p:blipFill>
+        <p:spPr>
+          <a:xfrm>
+            <a:off x="2811534" y="6109098"/>
+            <a:ext cx="748903" cy="748903"/>
+          </a:xfrm>
+          <a:prstGeom prst="rect">
+            <a:avLst/>
+          </a:prstGeom>
+        </p:spPr>
+      </p:pic>
+      <p:sp>
+        <p:nvSpPr>
+          <p:cNvPr id="13" name="제목 1">
+            <a:extLst>
+              <a:ext uri="{FF2B5EF4-FFF2-40B4-BE49-F238E27FC236}">
+                <a16:creationId xmlns:a16="http://schemas.microsoft.com/office/drawing/2014/main" id="{95294F51-1FB3-43F7-ED07-071955236E8B}"/>
+              </a:ext>
+            </a:extLst>
+          </p:cNvPr>
+          <p:cNvSpPr txBox="1">
+            <a:spLocks/>
+          </p:cNvSpPr>
+          <p:nvPr/>
+        </p:nvSpPr>
+        <p:spPr>
+          <a:xfrm>
+            <a:off x="862469" y="210165"/>
+            <a:ext cx="10515600" cy="1325563"/>
+          </a:xfrm>
+          <a:prstGeom prst="rect">
+            <a:avLst/>
+          </a:prstGeom>
+        </p:spPr>
+        <p:txBody>
+          <a:bodyPr vert="horz" lIns="91440" tIns="45720" rIns="91440" bIns="45720" rtlCol="0" anchor="b">
+            <a:normAutofit/>
+          </a:bodyPr>
+          <a:lstStyle>
+            <a:lvl1pPr algn="ctr" defTabSz="914400" rtl="0" eaLnBrk="1" latinLnBrk="1" hangingPunct="1">
+              <a:lnSpc>
+                <a:spcPct val="90000"/>
+              </a:lnSpc>
+              <a:spcBef>
+                <a:spcPct val="0"/>
+              </a:spcBef>
+              <a:buNone/>
+              <a:defRPr sz="6000" kern="1200">
+                <a:solidFill>
+                  <a:schemeClr val="tx1"/>
+                </a:solidFill>
+                <a:latin typeface="+mj-lt"/>
+                <a:ea typeface="+mj-ea"/>
+                <a:cs typeface="+mj-cs"/>
+              </a:defRPr>
+            </a:lvl1pPr>
+          </a:lstStyle>
+          <a:p>
+            <a:pPr algn="l"/>
+            <a:r>
+              <a:rPr lang="ko-KR" altLang="en-US" sz="4000" dirty="0" err="1"/>
+              <a:t>커밋</a:t>
+            </a:r>
+            <a:r>
+              <a:rPr lang="ko-KR" altLang="en-US" sz="4000" dirty="0"/>
+              <a:t> </a:t>
+            </a:r>
+          </a:p>
+        </p:txBody>
+      </p:sp>
+      <p:sp>
+        <p:nvSpPr>
+          <p:cNvPr id="14" name="내용 개체 틀 2">
+            <a:extLst>
+              <a:ext uri="{FF2B5EF4-FFF2-40B4-BE49-F238E27FC236}">
+                <a16:creationId xmlns:a16="http://schemas.microsoft.com/office/drawing/2014/main" id="{A8660653-5054-7035-A770-9528565CABD3}"/>
+              </a:ext>
+            </a:extLst>
+          </p:cNvPr>
+          <p:cNvSpPr txBox="1">
+            <a:spLocks/>
+          </p:cNvSpPr>
+          <p:nvPr/>
+        </p:nvSpPr>
+        <p:spPr>
+          <a:xfrm>
+            <a:off x="862469" y="2011464"/>
+            <a:ext cx="10515600" cy="4351338"/>
+          </a:xfrm>
+          <a:prstGeom prst="rect">
+            <a:avLst/>
+          </a:prstGeom>
+        </p:spPr>
+        <p:txBody>
+          <a:bodyPr vert="horz" lIns="91440" tIns="45720" rIns="91440" bIns="45720" rtlCol="0">
+            <a:normAutofit/>
+          </a:bodyPr>
+          <a:lstStyle>
+            <a:lvl1pPr marL="0" indent="0" algn="ctr" defTabSz="914400" rtl="0" eaLnBrk="1" latinLnBrk="1" hangingPunct="1">
+              <a:lnSpc>
+                <a:spcPct val="90000"/>
+              </a:lnSpc>
+              <a:spcBef>
+                <a:spcPts val="1000"/>
+              </a:spcBef>
+              <a:buFont typeface="Arial" panose="020B0604020202020204" pitchFamily="34" charset="0"/>
+              <a:buNone/>
+              <a:defRPr sz="2400" kern="1200">
+                <a:solidFill>
+                  <a:schemeClr val="tx1"/>
+                </a:solidFill>
+                <a:latin typeface="+mn-lt"/>
+                <a:ea typeface="+mn-ea"/>
+                <a:cs typeface="+mn-cs"/>
+              </a:defRPr>
+            </a:lvl1pPr>
+            <a:lvl2pPr marL="457200" indent="0" algn="ctr" defTabSz="914400" rtl="0" eaLnBrk="1" latinLnBrk="1" hangingPunct="1">
+              <a:lnSpc>
+                <a:spcPct val="90000"/>
+              </a:lnSpc>
+              <a:spcBef>
+                <a:spcPts val="500"/>
+              </a:spcBef>
+              <a:buFont typeface="Arial" panose="020B0604020202020204" pitchFamily="34" charset="0"/>
+              <a:buNone/>
+              <a:defRPr sz="2000" kern="1200">
+                <a:solidFill>
+                  <a:schemeClr val="tx1"/>
+                </a:solidFill>
+                <a:latin typeface="+mn-lt"/>
+                <a:ea typeface="+mn-ea"/>
+                <a:cs typeface="+mn-cs"/>
+              </a:defRPr>
+            </a:lvl2pPr>
+            <a:lvl3pPr marL="914400" indent="0" algn="ctr" defTabSz="914400" rtl="0" eaLnBrk="1" latinLnBrk="1" hangingPunct="1">
+              <a:lnSpc>
+                <a:spcPct val="90000"/>
+              </a:lnSpc>
+              <a:spcBef>
+                <a:spcPts val="500"/>
+              </a:spcBef>
+              <a:buFont typeface="Arial" panose="020B0604020202020204" pitchFamily="34" charset="0"/>
+              <a:buNone/>
+              <a:defRPr sz="1800" kern="1200">
+                <a:solidFill>
+                  <a:schemeClr val="tx1"/>
+                </a:solidFill>
+                <a:latin typeface="+mn-lt"/>
+                <a:ea typeface="+mn-ea"/>
+                <a:cs typeface="+mn-cs"/>
+              </a:defRPr>
+            </a:lvl3pPr>
+            <a:lvl4pPr marL="1371600" indent="0" algn="ctr" defTabSz="914400" rtl="0" eaLnBrk="1" latinLnBrk="1" hangingPunct="1">
+              <a:lnSpc>
+                <a:spcPct val="90000"/>
+              </a:lnSpc>
+              <a:spcBef>
+                <a:spcPts val="500"/>
+              </a:spcBef>
+              <a:buFont typeface="Arial" panose="020B0604020202020204" pitchFamily="34" charset="0"/>
+              <a:buNone/>
+              <a:defRPr sz="1600" kern="1200">
+                <a:solidFill>
+                  <a:schemeClr val="tx1"/>
+                </a:solidFill>
+                <a:latin typeface="+mn-lt"/>
+                <a:ea typeface="+mn-ea"/>
+                <a:cs typeface="+mn-cs"/>
+              </a:defRPr>
+            </a:lvl4pPr>
+            <a:lvl5pPr marL="1828800" indent="0" algn="ctr" defTabSz="914400" rtl="0" eaLnBrk="1" latinLnBrk="1" hangingPunct="1">
+              <a:lnSpc>
+                <a:spcPct val="90000"/>
+              </a:lnSpc>
+              <a:spcBef>
+                <a:spcPts val="500"/>
+              </a:spcBef>
+              <a:buFont typeface="Arial" panose="020B0604020202020204" pitchFamily="34" charset="0"/>
+              <a:buNone/>
+              <a:defRPr sz="1600" kern="1200">
+                <a:solidFill>
+                  <a:schemeClr val="tx1"/>
+                </a:solidFill>
+                <a:latin typeface="+mn-lt"/>
+                <a:ea typeface="+mn-ea"/>
+                <a:cs typeface="+mn-cs"/>
+              </a:defRPr>
+            </a:lvl5pPr>
+            <a:lvl6pPr marL="2286000" indent="0" algn="ctr" defTabSz="914400" rtl="0" eaLnBrk="1" latinLnBrk="1" hangingPunct="1">
+              <a:lnSpc>
+                <a:spcPct val="90000"/>
+              </a:lnSpc>
+              <a:spcBef>
+                <a:spcPts val="500"/>
+              </a:spcBef>
+              <a:buFont typeface="Arial" panose="020B0604020202020204" pitchFamily="34" charset="0"/>
+              <a:buNone/>
+              <a:defRPr sz="1600" kern="1200">
+                <a:solidFill>
+                  <a:schemeClr val="tx1"/>
+                </a:solidFill>
+                <a:latin typeface="+mn-lt"/>
+                <a:ea typeface="+mn-ea"/>
+                <a:cs typeface="+mn-cs"/>
+              </a:defRPr>
+            </a:lvl6pPr>
+            <a:lvl7pPr marL="2743200" indent="0" algn="ctr" defTabSz="914400" rtl="0" eaLnBrk="1" latinLnBrk="1" hangingPunct="1">
+              <a:lnSpc>
+                <a:spcPct val="90000"/>
+              </a:lnSpc>
+              <a:spcBef>
+                <a:spcPts val="500"/>
+              </a:spcBef>
+              <a:buFont typeface="Arial" panose="020B0604020202020204" pitchFamily="34" charset="0"/>
+              <a:buNone/>
+              <a:defRPr sz="1600" kern="1200">
+                <a:solidFill>
+                  <a:schemeClr val="tx1"/>
+                </a:solidFill>
+                <a:latin typeface="+mn-lt"/>
+                <a:ea typeface="+mn-ea"/>
+                <a:cs typeface="+mn-cs"/>
+              </a:defRPr>
+            </a:lvl7pPr>
+            <a:lvl8pPr marL="3200400" indent="0" algn="ctr" defTabSz="914400" rtl="0" eaLnBrk="1" latinLnBrk="1" hangingPunct="1">
+              <a:lnSpc>
+                <a:spcPct val="90000"/>
+              </a:lnSpc>
+              <a:spcBef>
+                <a:spcPts val="500"/>
+              </a:spcBef>
+              <a:buFont typeface="Arial" panose="020B0604020202020204" pitchFamily="34" charset="0"/>
+              <a:buNone/>
+              <a:defRPr sz="1600" kern="1200">
+                <a:solidFill>
+                  <a:schemeClr val="tx1"/>
+                </a:solidFill>
+                <a:latin typeface="+mn-lt"/>
+                <a:ea typeface="+mn-ea"/>
+                <a:cs typeface="+mn-cs"/>
+              </a:defRPr>
+            </a:lvl8pPr>
+            <a:lvl9pPr marL="3657600" indent="0" algn="ctr" defTabSz="914400" rtl="0" eaLnBrk="1" latinLnBrk="1" hangingPunct="1">
+              <a:lnSpc>
+                <a:spcPct val="90000"/>
+              </a:lnSpc>
+              <a:spcBef>
+                <a:spcPts val="500"/>
+              </a:spcBef>
+              <a:buFont typeface="Arial" panose="020B0604020202020204" pitchFamily="34" charset="0"/>
+              <a:buNone/>
+              <a:defRPr sz="1600" kern="1200">
+                <a:solidFill>
+                  <a:schemeClr val="tx1"/>
+                </a:solidFill>
+                <a:latin typeface="+mn-lt"/>
+                <a:ea typeface="+mn-ea"/>
+                <a:cs typeface="+mn-cs"/>
+              </a:defRPr>
+            </a:lvl9pPr>
+          </a:lstStyle>
+          <a:p>
+            <a:endParaRPr lang="ko-KR" altLang="en-US" dirty="0"/>
+          </a:p>
+        </p:txBody>
+      </p:sp>
+      <p:pic>
+        <p:nvPicPr>
+          <p:cNvPr id="16" name="그림 15">
+            <a:extLst>
+              <a:ext uri="{FF2B5EF4-FFF2-40B4-BE49-F238E27FC236}">
+                <a16:creationId xmlns:a16="http://schemas.microsoft.com/office/drawing/2014/main" id="{7F988AA3-C529-DC05-5BE3-E843ACD64D73}"/>
+              </a:ext>
+            </a:extLst>
+          </p:cNvPr>
+          <p:cNvPicPr>
+            <a:picLocks noChangeAspect="1"/>
+          </p:cNvPicPr>
+          <p:nvPr/>
+        </p:nvPicPr>
+        <p:blipFill rotWithShape="1">
+          <a:blip r:embed="rId4">
+            <a:extLst>
+              <a:ext uri="{BEBA8EAE-BF5A-486C-A8C5-ECC9F3942E4B}">
+                <a14:imgProps xmlns:a14="http://schemas.microsoft.com/office/drawing/2010/main">
+                  <a14:imgLayer r:embed="rId5">
+                    <a14:imgEffect>
+                      <a14:backgroundRemoval t="4082" b="39286" l="3889" r="38519">
+                        <a14:foregroundMark x1="17407" y1="38265" x2="17407" y2="38265"/>
+                        <a14:foregroundMark x1="33519" y1="39286" x2="33519" y2="39286"/>
+                        <a14:foregroundMark x1="38519" y1="37500" x2="38519" y2="37500"/>
+                        <a14:foregroundMark x1="13519" y1="13265" x2="13519" y2="13265"/>
+                        <a14:foregroundMark x1="14815" y1="12500" x2="14815" y2="12500"/>
+                        <a14:foregroundMark x1="14444" y1="12500" x2="14444" y2="12500"/>
+                        <a14:foregroundMark x1="13704" y1="13520" x2="13704" y2="13520"/>
+                        <a14:foregroundMark x1="13704" y1="13776" x2="13704" y2="13776"/>
+                        <a14:foregroundMark x1="13704" y1="13776" x2="13704" y2="13776"/>
+                        <a14:foregroundMark x1="20741" y1="14796" x2="20741" y2="14796"/>
+                        <a14:foregroundMark x1="19815" y1="17347" x2="19815" y2="17347"/>
+                        <a14:foregroundMark x1="20185" y1="21684" x2="20185" y2="21684"/>
+                        <a14:foregroundMark x1="24259" y1="21939" x2="24259" y2="21939"/>
+                        <a14:foregroundMark x1="24444" y1="21684" x2="24444" y2="21684"/>
+                        <a14:foregroundMark x1="24444" y1="21684" x2="24444" y2="21684"/>
+                        <a14:foregroundMark x1="24630" y1="21429" x2="24630" y2="21429"/>
+                        <a14:foregroundMark x1="24630" y1="21429" x2="24630" y2="21429"/>
+                        <a14:foregroundMark x1="25000" y1="20918" x2="25000" y2="20918"/>
+                        <a14:foregroundMark x1="11111" y1="14031" x2="16852" y2="12500"/>
+                        <a14:foregroundMark x1="15370" y1="12245" x2="21111" y2="14031"/>
+                        <a14:foregroundMark x1="23148" y1="20408" x2="24630" y2="24745"/>
+                        <a14:foregroundMark x1="22963" y1="38010" x2="24630" y2="37500"/>
+                        <a14:foregroundMark x1="16111" y1="11990" x2="19074" y2="12500"/>
+                        <a14:foregroundMark x1="17037" y1="12500" x2="21111" y2="13520"/>
+                        <a14:foregroundMark x1="24259" y1="20663" x2="24259" y2="20663"/>
+                        <a14:foregroundMark x1="23704" y1="20663" x2="23704" y2="20663"/>
+                        <a14:foregroundMark x1="23704" y1="20663" x2="23704" y2="20663"/>
+                        <a14:foregroundMark x1="23704" y1="19643" x2="23704" y2="19643"/>
+                        <a14:foregroundMark x1="24444" y1="19898" x2="24444" y2="19898"/>
+                        <a14:foregroundMark x1="14444" y1="39031" x2="14444" y2="39031"/>
+                        <a14:foregroundMark x1="11111" y1="14286" x2="15370" y2="13265"/>
+                      </a14:backgroundRemoval>
+                    </a14:imgEffect>
+                  </a14:imgLayer>
+                </a14:imgProps>
+              </a:ext>
+              <a:ext uri="{28A0092B-C50C-407E-A947-70E740481C1C}">
+                <a14:useLocalDpi xmlns:a14="http://schemas.microsoft.com/office/drawing/2010/main" val="0"/>
+              </a:ext>
+            </a:extLst>
+          </a:blip>
+          <a:srcRect r="57612" b="57523"/>
+          <a:stretch/>
+        </p:blipFill>
+        <p:spPr>
+          <a:xfrm>
+            <a:off x="9232062" y="4710472"/>
+            <a:ext cx="2906949" cy="2114685"/>
+          </a:xfrm>
+          <a:prstGeom prst="rect">
+            <a:avLst/>
+          </a:prstGeom>
+        </p:spPr>
+      </p:pic>
+    </p:spTree>
+    <p:extLst>
+      <p:ext uri="{BB962C8B-B14F-4D97-AF65-F5344CB8AC3E}">
+        <p14:creationId xmlns:p14="http://schemas.microsoft.com/office/powerpoint/2010/main" val="155866294"/>
+      </p:ext>
+    </p:extLst>
+  </p:cSld>
+  <p:clrMapOvr>
+    <a:masterClrMapping/>
+  </p:clrMapOvr>
+</p:sld>
+</file>
+
 <file path=ppt/slides/slide2.xml><?xml version="1.0" encoding="utf-8"?>
 <p:sld xmlns:a="http://schemas.openxmlformats.org/drawingml/2006/main" xmlns:r="http://schemas.openxmlformats.org/officeDocument/2006/relationships" xmlns:p="http://schemas.openxmlformats.org/presentationml/2006/main">
   <p:cSld>
@@ -5172,7 +6316,7 @@
         </p:nvSpPr>
         <p:spPr>
           <a:xfrm>
-            <a:off x="862469" y="2011464"/>
+            <a:off x="838200" y="1745893"/>
             <a:ext cx="10515600" cy="4351338"/>
           </a:xfrm>
           <a:prstGeom prst="rect">
@@ -5349,6 +6493,10 @@
           </a:lstStyle>
           <a:p>
             <a:r>
+              <a:rPr lang="en-US" altLang="ko-KR" dirty="0"/>
+              <a:t>1. </a:t>
+            </a:r>
+            <a:r>
               <a:rPr lang="ko-KR" altLang="en-US" dirty="0"/>
               <a:t>현재 진행상황</a:t>
             </a:r>
@@ -5419,6 +6567,24 @@
           </a:p>
           <a:p>
             <a:r>
+              <a:rPr lang="en-US" altLang="ko-KR" dirty="0"/>
+              <a:t>2. </a:t>
+            </a:r>
+            <a:r>
+              <a:rPr lang="ko-KR" altLang="en-US" dirty="0"/>
+              <a:t>계획 변경사항</a:t>
+            </a:r>
+            <a:endParaRPr lang="en-US" altLang="ko-KR" dirty="0"/>
+          </a:p>
+          <a:p>
+            <a:endParaRPr lang="en-US" altLang="ko-KR" dirty="0"/>
+          </a:p>
+          <a:p>
+            <a:r>
+              <a:rPr lang="en-US" altLang="ko-KR" dirty="0"/>
+              <a:t>3. </a:t>
+            </a:r>
+            <a:r>
               <a:rPr lang="ko-KR" altLang="en-US" dirty="0"/>
               <a:t>프로그램 데모 실행</a:t>
             </a:r>
@@ -6424,14 +7590,14 @@
           <p:nvPr>
             <p:extLst>
               <p:ext uri="{D42A27DB-BD31-4B8C-83A1-F6EECF244321}">
-                <p14:modId xmlns:p14="http://schemas.microsoft.com/office/powerpoint/2010/main" val="2656258820"/>
+                <p14:modId xmlns:p14="http://schemas.microsoft.com/office/powerpoint/2010/main" val="2357770449"/>
               </p:ext>
             </p:extLst>
           </p:nvPr>
         </p:nvGraphicFramePr>
         <p:xfrm>
-          <a:off x="933824" y="1662407"/>
-          <a:ext cx="10372890" cy="4602480"/>
+          <a:off x="862469" y="1886331"/>
+          <a:ext cx="10372890" cy="4154733"/>
         </p:xfrm>
         <a:graphic>
           <a:graphicData uri="http://schemas.openxmlformats.org/drawingml/2006/table">
@@ -6462,7 +7628,7 @@
                   </a:extLst>
                 </a:gridCol>
               </a:tblGrid>
-              <a:tr h="370840">
+              <a:tr h="847194">
                 <a:tc>
                   <a:txBody>
                     <a:bodyPr/>
@@ -6470,11 +7636,11 @@
                     <a:p>
                       <a:pPr latinLnBrk="1"/>
                       <a:r>
-                        <a:rPr lang="en-US" altLang="ko-KR" sz="1100" dirty="0"/>
+                        <a:rPr lang="en-US" altLang="ko-KR" sz="2000" dirty="0"/>
                         <a:t>1</a:t>
                       </a:r>
                       <a:r>
-                        <a:rPr lang="ko-KR" altLang="en-US" sz="1100" dirty="0"/>
+                        <a:rPr lang="ko-KR" altLang="en-US" sz="2000" dirty="0"/>
                         <a:t>주차</a:t>
                       </a:r>
                     </a:p>
@@ -6488,8 +7654,8 @@
                     <a:p>
                       <a:pPr latinLnBrk="1"/>
                       <a:r>
-                        <a:rPr lang="ko-KR" altLang="en-US" sz="1100" dirty="0"/>
-                        <a:t>수집과 좌표 처리</a:t>
+                        <a:rPr lang="ko-KR" altLang="en-US" sz="2000" dirty="0"/>
+                        <a:t>리소스 수집</a:t>
                       </a:r>
                     </a:p>
                   </a:txBody>
@@ -6501,7 +7667,7 @@
                     <a:lstStyle/>
                     <a:p>
                       <a:pPr latinLnBrk="1"/>
-                      <a:endParaRPr lang="ko-KR" altLang="en-US" sz="1100" dirty="0"/>
+                      <a:endParaRPr lang="ko-KR" altLang="en-US" sz="2000" dirty="0"/>
                     </a:p>
                   </a:txBody>
                   <a:tcPr/>
@@ -6512,7 +7678,7 @@
                   </a:ext>
                 </a:extLst>
               </a:tr>
-              <a:tr h="370840">
+              <a:tr h="974854">
                 <a:tc>
                   <a:txBody>
                     <a:bodyPr/>
@@ -6520,11 +7686,11 @@
                     <a:p>
                       <a:pPr latinLnBrk="1"/>
                       <a:r>
-                        <a:rPr lang="en-US" altLang="ko-KR" sz="1100" dirty="0"/>
+                        <a:rPr lang="en-US" altLang="ko-KR" sz="2000" dirty="0"/>
                         <a:t>2</a:t>
                       </a:r>
                       <a:r>
-                        <a:rPr lang="ko-KR" altLang="en-US" sz="1100" dirty="0"/>
+                        <a:rPr lang="ko-KR" altLang="en-US" sz="2000" dirty="0"/>
                         <a:t>주차</a:t>
                       </a:r>
                     </a:p>
@@ -6554,10 +7720,10 @@
                         <a:defRPr/>
                       </a:pPr>
                       <a:r>
-                        <a:rPr lang="ko-KR" altLang="en-US" sz="1100" dirty="0"/>
+                        <a:rPr lang="ko-KR" altLang="en-US" sz="2000" dirty="0"/>
                         <a:t>캐릭터 애니메이션 설정</a:t>
                       </a:r>
-                      <a:endParaRPr lang="en-US" altLang="ko-KR" sz="1100" dirty="0"/>
+                      <a:endParaRPr lang="en-US" altLang="ko-KR" sz="2000" dirty="0"/>
                     </a:p>
                   </a:txBody>
                   <a:tcPr/>
@@ -6571,17 +7737,17 @@
                         <a:buAutoNum type="arabicPeriod"/>
                       </a:pPr>
                       <a:r>
-                        <a:rPr lang="ko-KR" altLang="en-US" sz="1100" dirty="0"/>
+                        <a:rPr lang="ko-KR" altLang="en-US" sz="2000" dirty="0"/>
                         <a:t>캐릭터 좌우 걷기 모션</a:t>
                       </a:r>
-                      <a:endParaRPr lang="en-US" altLang="ko-KR" sz="1100" dirty="0"/>
+                      <a:endParaRPr lang="en-US" altLang="ko-KR" sz="2000" dirty="0"/>
                     </a:p>
                     <a:p>
                       <a:pPr marL="342900" indent="-342900" latinLnBrk="1">
                         <a:buAutoNum type="arabicPeriod"/>
                       </a:pPr>
                       <a:r>
-                        <a:rPr lang="ko-KR" altLang="en-US" sz="1100" dirty="0"/>
+                        <a:rPr lang="ko-KR" altLang="en-US" sz="2000" dirty="0"/>
                         <a:t>캐릭터 점프 모션</a:t>
                       </a:r>
                     </a:p>
@@ -6594,7 +7760,7 @@
                   </a:ext>
                 </a:extLst>
               </a:tr>
-              <a:tr h="370840">
+              <a:tr h="974854">
                 <a:tc>
                   <a:txBody>
                     <a:bodyPr/>
@@ -6602,11 +7768,11 @@
                     <a:p>
                       <a:pPr latinLnBrk="1"/>
                       <a:r>
-                        <a:rPr lang="en-US" altLang="ko-KR" sz="1100" dirty="0"/>
+                        <a:rPr lang="en-US" altLang="ko-KR" sz="2000" dirty="0"/>
                         <a:t>3</a:t>
                       </a:r>
                       <a:r>
-                        <a:rPr lang="ko-KR" altLang="en-US" sz="1100" dirty="0"/>
+                        <a:rPr lang="ko-KR" altLang="en-US" sz="2000" dirty="0"/>
                         <a:t>주차</a:t>
                       </a:r>
                     </a:p>
@@ -6620,7 +7786,7 @@
                     <a:p>
                       <a:pPr latinLnBrk="1"/>
                       <a:r>
-                        <a:rPr lang="ko-KR" altLang="en-US" sz="1100" dirty="0"/>
+                        <a:rPr lang="ko-KR" altLang="en-US" sz="2000" dirty="0"/>
                         <a:t>키보드 조작</a:t>
                       </a:r>
                     </a:p>
@@ -6636,17 +7802,17 @@
                         <a:buAutoNum type="arabicPeriod"/>
                       </a:pPr>
                       <a:r>
-                        <a:rPr lang="ko-KR" altLang="en-US" sz="1100" dirty="0"/>
+                        <a:rPr lang="ko-KR" altLang="en-US" sz="2000" dirty="0"/>
                         <a:t>캐릭터 이동 방향키 설정</a:t>
                       </a:r>
-                      <a:endParaRPr lang="en-US" altLang="ko-KR" sz="1100" dirty="0"/>
+                      <a:endParaRPr lang="en-US" altLang="ko-KR" sz="2000" dirty="0"/>
                     </a:p>
                     <a:p>
                       <a:pPr marL="342900" indent="-342900" latinLnBrk="1">
                         <a:buAutoNum type="arabicPeriod"/>
                       </a:pPr>
                       <a:r>
-                        <a:rPr lang="ko-KR" altLang="en-US" sz="1100" dirty="0"/>
+                        <a:rPr lang="ko-KR" altLang="en-US" sz="2000" dirty="0"/>
                         <a:t>아이템 사용 키 설정</a:t>
                       </a:r>
                     </a:p>
@@ -6659,7 +7825,7 @@
                   </a:ext>
                 </a:extLst>
               </a:tr>
-              <a:tr h="370840">
+              <a:tr h="1357831">
                 <a:tc>
                   <a:txBody>
                     <a:bodyPr/>
@@ -6667,11 +7833,11 @@
                     <a:p>
                       <a:pPr latinLnBrk="1"/>
                       <a:r>
-                        <a:rPr lang="en-US" altLang="ko-KR" sz="1100" dirty="0"/>
+                        <a:rPr lang="en-US" altLang="ko-KR" sz="2000" dirty="0"/>
                         <a:t>4</a:t>
                       </a:r>
                       <a:r>
-                        <a:rPr lang="ko-KR" altLang="en-US" sz="1100" dirty="0"/>
+                        <a:rPr lang="ko-KR" altLang="en-US" sz="2000" dirty="0"/>
                         <a:t>주차</a:t>
                       </a:r>
                     </a:p>
@@ -6685,7 +7851,7 @@
                     <a:p>
                       <a:pPr latinLnBrk="1"/>
                       <a:r>
-                        <a:rPr lang="ko-KR" altLang="en-US" sz="1100" dirty="0"/>
+                        <a:rPr lang="ko-KR" altLang="en-US" sz="2000" dirty="0"/>
                         <a:t>장애물 설정</a:t>
                       </a:r>
                     </a:p>
@@ -6701,27 +7867,27 @@
                         <a:buAutoNum type="arabicPeriod"/>
                       </a:pPr>
                       <a:r>
-                        <a:rPr lang="ko-KR" altLang="en-US" sz="1100" dirty="0"/>
+                        <a:rPr lang="ko-KR" altLang="en-US" sz="2000" dirty="0"/>
                         <a:t>무작위로 떨어지는 장애물 구현</a:t>
                       </a:r>
-                      <a:endParaRPr lang="en-US" altLang="ko-KR" sz="1100" dirty="0"/>
+                      <a:endParaRPr lang="en-US" altLang="ko-KR" sz="2000" dirty="0"/>
                     </a:p>
                     <a:p>
                       <a:pPr marL="342900" indent="-342900" latinLnBrk="1">
                         <a:buAutoNum type="arabicPeriod"/>
                       </a:pPr>
                       <a:r>
-                        <a:rPr lang="ko-KR" altLang="en-US" sz="1100" dirty="0"/>
+                        <a:rPr lang="ko-KR" altLang="en-US" sz="2000" dirty="0"/>
                         <a:t>떨어지는 아이템 구현</a:t>
                       </a:r>
-                      <a:endParaRPr lang="en-US" altLang="ko-KR" sz="1100" dirty="0"/>
+                      <a:endParaRPr lang="en-US" altLang="ko-KR" sz="2000" dirty="0"/>
                     </a:p>
                     <a:p>
                       <a:pPr marL="342900" indent="-342900" latinLnBrk="1">
                         <a:buAutoNum type="arabicPeriod"/>
                       </a:pPr>
                       <a:r>
-                        <a:rPr lang="ko-KR" altLang="en-US" sz="1100" dirty="0"/>
+                        <a:rPr lang="ko-KR" altLang="en-US" sz="2000" dirty="0"/>
                         <a:t>떨어지는 코인 구현</a:t>
                       </a:r>
                     </a:p>
@@ -6731,500 +7897,6 @@
                 <a:extLst>
                   <a:ext uri="{0D108BD9-81ED-4DB2-BD59-A6C34878D82A}">
                     <a16:rowId xmlns:a16="http://schemas.microsoft.com/office/drawing/2014/main" val="3914371109"/>
-                  </a:ext>
-                </a:extLst>
-              </a:tr>
-              <a:tr h="370840">
-                <a:tc>
-                  <a:txBody>
-                    <a:bodyPr/>
-                    <a:lstStyle/>
-                    <a:p>
-                      <a:pPr latinLnBrk="1"/>
-                      <a:r>
-                        <a:rPr lang="en-US" altLang="ko-KR" sz="1100" dirty="0"/>
-                        <a:t>5</a:t>
-                      </a:r>
-                      <a:r>
-                        <a:rPr lang="ko-KR" altLang="en-US" sz="1100" dirty="0"/>
-                        <a:t>주차</a:t>
-                      </a:r>
-                    </a:p>
-                  </a:txBody>
-                  <a:tcPr/>
-                </a:tc>
-                <a:tc>
-                  <a:txBody>
-                    <a:bodyPr/>
-                    <a:lstStyle/>
-                    <a:p>
-                      <a:pPr latinLnBrk="1"/>
-                      <a:r>
-                        <a:rPr lang="ko-KR" altLang="en-US" sz="1100" dirty="0"/>
-                        <a:t>장애물 난이도 설정</a:t>
-                      </a:r>
-                    </a:p>
-                  </a:txBody>
-                  <a:tcPr/>
-                </a:tc>
-                <a:tc>
-                  <a:txBody>
-                    <a:bodyPr/>
-                    <a:lstStyle/>
-                    <a:p>
-                      <a:pPr marL="228600" indent="-228600" latinLnBrk="1">
-                        <a:buAutoNum type="arabicPeriod"/>
-                      </a:pPr>
-                      <a:r>
-                        <a:rPr lang="ko-KR" altLang="en-US" sz="1100" dirty="0"/>
-                        <a:t>  시간이 지남에 따라 장애물의 난이도</a:t>
-                      </a:r>
-                      <a:r>
-                        <a:rPr lang="en-US" altLang="ko-KR" sz="1100" dirty="0"/>
-                        <a:t>(</a:t>
-                      </a:r>
-                      <a:r>
-                        <a:rPr lang="ko-KR" altLang="en-US" sz="1100" dirty="0"/>
-                        <a:t>개수 및 속도</a:t>
-                      </a:r>
-                      <a:r>
-                        <a:rPr lang="en-US" altLang="ko-KR" sz="1100" dirty="0"/>
-                        <a:t>)</a:t>
-                      </a:r>
-                      <a:r>
-                        <a:rPr lang="ko-KR" altLang="en-US" sz="1100" dirty="0"/>
-                        <a:t> 올리기</a:t>
-                      </a:r>
-                      <a:endParaRPr lang="en-US" altLang="ko-KR" sz="1100" dirty="0"/>
-                    </a:p>
-                    <a:p>
-                      <a:pPr marL="228600" indent="-228600" latinLnBrk="1">
-                        <a:buAutoNum type="arabicPeriod"/>
-                      </a:pPr>
-                      <a:r>
-                        <a:rPr lang="ko-KR" altLang="en-US" sz="1100" dirty="0"/>
-                        <a:t>  슈퍼 장애물의 수 늘리기</a:t>
-                      </a:r>
-                    </a:p>
-                  </a:txBody>
-                  <a:tcPr/>
-                </a:tc>
-                <a:extLst>
-                  <a:ext uri="{0D108BD9-81ED-4DB2-BD59-A6C34878D82A}">
-                    <a16:rowId xmlns:a16="http://schemas.microsoft.com/office/drawing/2014/main" val="2210475263"/>
-                  </a:ext>
-                </a:extLst>
-              </a:tr>
-              <a:tr h="370840">
-                <a:tc>
-                  <a:txBody>
-                    <a:bodyPr/>
-                    <a:lstStyle/>
-                    <a:p>
-                      <a:pPr latinLnBrk="1"/>
-                      <a:r>
-                        <a:rPr lang="en-US" altLang="ko-KR" sz="1100" dirty="0"/>
-                        <a:t>6</a:t>
-                      </a:r>
-                      <a:r>
-                        <a:rPr lang="ko-KR" altLang="en-US" sz="1100" dirty="0"/>
-                        <a:t>주차</a:t>
-                      </a:r>
-                    </a:p>
-                  </a:txBody>
-                  <a:tcPr/>
-                </a:tc>
-                <a:tc>
-                  <a:txBody>
-                    <a:bodyPr/>
-                    <a:lstStyle/>
-                    <a:p>
-                      <a:pPr marL="0" marR="0" lvl="0" indent="0" algn="l" defTabSz="914400" rtl="0" eaLnBrk="1" fontAlgn="auto" latinLnBrk="1" hangingPunct="1">
-                        <a:lnSpc>
-                          <a:spcPct val="100000"/>
-                        </a:lnSpc>
-                        <a:spcBef>
-                          <a:spcPts val="0"/>
-                        </a:spcBef>
-                        <a:spcAft>
-                          <a:spcPts val="0"/>
-                        </a:spcAft>
-                        <a:buClrTx/>
-                        <a:buSzTx/>
-                        <a:buFontTx/>
-                        <a:buNone/>
-                        <a:tabLst/>
-                        <a:defRPr/>
-                      </a:pPr>
-                      <a:r>
-                        <a:rPr lang="ko-KR" altLang="en-US" sz="1100" dirty="0"/>
-                        <a:t>오브젝트 애니메이션</a:t>
-                      </a:r>
-                    </a:p>
-                  </a:txBody>
-                  <a:tcPr/>
-                </a:tc>
-                <a:tc>
-                  <a:txBody>
-                    <a:bodyPr/>
-                    <a:lstStyle/>
-                    <a:p>
-                      <a:pPr marL="342900" indent="-342900" latinLnBrk="1">
-                        <a:buAutoNum type="arabicPeriod"/>
-                      </a:pPr>
-                      <a:r>
-                        <a:rPr lang="ko-KR" altLang="en-US" sz="1100" dirty="0"/>
-                        <a:t>자석 아이템 실행 애니메이션</a:t>
-                      </a:r>
-                      <a:endParaRPr lang="en-US" altLang="ko-KR" sz="1100" dirty="0"/>
-                    </a:p>
-                    <a:p>
-                      <a:pPr marL="342900" indent="-342900" latinLnBrk="1">
-                        <a:buAutoNum type="arabicPeriod"/>
-                      </a:pPr>
-                      <a:r>
-                        <a:rPr lang="ko-KR" altLang="en-US" sz="1100" dirty="0"/>
-                        <a:t>폭탄 아이템 실행 애니메이션</a:t>
-                      </a:r>
-                    </a:p>
-                  </a:txBody>
-                  <a:tcPr/>
-                </a:tc>
-                <a:extLst>
-                  <a:ext uri="{0D108BD9-81ED-4DB2-BD59-A6C34878D82A}">
-                    <a16:rowId xmlns:a16="http://schemas.microsoft.com/office/drawing/2014/main" val="2638726194"/>
-                  </a:ext>
-                </a:extLst>
-              </a:tr>
-              <a:tr h="370840">
-                <a:tc>
-                  <a:txBody>
-                    <a:bodyPr/>
-                    <a:lstStyle/>
-                    <a:p>
-                      <a:pPr latinLnBrk="1"/>
-                      <a:r>
-                        <a:rPr lang="en-US" altLang="ko-KR" sz="1100" dirty="0"/>
-                        <a:t>7</a:t>
-                      </a:r>
-                      <a:r>
-                        <a:rPr lang="ko-KR" altLang="en-US" sz="1100" dirty="0"/>
-                        <a:t>주차</a:t>
-                      </a:r>
-                    </a:p>
-                  </a:txBody>
-                  <a:tcPr/>
-                </a:tc>
-                <a:tc>
-                  <a:txBody>
-                    <a:bodyPr/>
-                    <a:lstStyle/>
-                    <a:p>
-                      <a:pPr marL="0" marR="0" lvl="0" indent="0" algn="l" defTabSz="914400" rtl="0" eaLnBrk="1" fontAlgn="auto" latinLnBrk="1" hangingPunct="1">
-                        <a:lnSpc>
-                          <a:spcPct val="100000"/>
-                        </a:lnSpc>
-                        <a:spcBef>
-                          <a:spcPts val="0"/>
-                        </a:spcBef>
-                        <a:spcAft>
-                          <a:spcPts val="0"/>
-                        </a:spcAft>
-                        <a:buClrTx/>
-                        <a:buSzTx/>
-                        <a:buFontTx/>
-                        <a:buNone/>
-                        <a:tabLst/>
-                        <a:defRPr/>
-                      </a:pPr>
-                      <a:r>
-                        <a:rPr lang="ko-KR" altLang="en-US" sz="1100" dirty="0"/>
-                        <a:t>충돌처리</a:t>
-                      </a:r>
-                    </a:p>
-                  </a:txBody>
-                  <a:tcPr/>
-                </a:tc>
-                <a:tc>
-                  <a:txBody>
-                    <a:bodyPr/>
-                    <a:lstStyle/>
-                    <a:p>
-                      <a:pPr latinLnBrk="1"/>
-                      <a:r>
-                        <a:rPr lang="en-US" altLang="ko-KR" sz="1100" dirty="0"/>
-                        <a:t>1.     </a:t>
-                      </a:r>
-                      <a:r>
-                        <a:rPr lang="ko-KR" altLang="en-US" sz="1100" dirty="0"/>
-                        <a:t>장애물 및 아이템</a:t>
-                      </a:r>
-                      <a:r>
-                        <a:rPr lang="en-US" altLang="ko-KR" sz="1100" dirty="0"/>
-                        <a:t>, </a:t>
-                      </a:r>
-                      <a:r>
-                        <a:rPr lang="ko-KR" altLang="en-US" sz="1100" dirty="0"/>
-                        <a:t>코인과 캐릭터의 충돌 </a:t>
-                      </a:r>
-                    </a:p>
-                  </a:txBody>
-                  <a:tcPr/>
-                </a:tc>
-                <a:extLst>
-                  <a:ext uri="{0D108BD9-81ED-4DB2-BD59-A6C34878D82A}">
-                    <a16:rowId xmlns:a16="http://schemas.microsoft.com/office/drawing/2014/main" val="2956127675"/>
-                  </a:ext>
-                </a:extLst>
-              </a:tr>
-              <a:tr h="370840">
-                <a:tc>
-                  <a:txBody>
-                    <a:bodyPr/>
-                    <a:lstStyle/>
-                    <a:p>
-                      <a:pPr latinLnBrk="1"/>
-                      <a:r>
-                        <a:rPr lang="en-US" altLang="ko-KR" sz="1100" dirty="0"/>
-                        <a:t>8</a:t>
-                      </a:r>
-                      <a:r>
-                        <a:rPr lang="ko-KR" altLang="en-US" sz="1100" dirty="0"/>
-                        <a:t>주차</a:t>
-                      </a:r>
-                    </a:p>
-                  </a:txBody>
-                  <a:tcPr/>
-                </a:tc>
-                <a:tc>
-                  <a:txBody>
-                    <a:bodyPr/>
-                    <a:lstStyle/>
-                    <a:p>
-                      <a:pPr marL="0" marR="0" lvl="0" indent="0" algn="l" defTabSz="914400" rtl="0" eaLnBrk="1" fontAlgn="auto" latinLnBrk="1" hangingPunct="1">
-                        <a:lnSpc>
-                          <a:spcPct val="100000"/>
-                        </a:lnSpc>
-                        <a:spcBef>
-                          <a:spcPts val="0"/>
-                        </a:spcBef>
-                        <a:spcAft>
-                          <a:spcPts val="0"/>
-                        </a:spcAft>
-                        <a:buClrTx/>
-                        <a:buSzTx/>
-                        <a:buFontTx/>
-                        <a:buNone/>
-                        <a:tabLst/>
-                        <a:defRPr/>
-                      </a:pPr>
-                      <a:r>
-                        <a:rPr lang="ko-KR" altLang="en-US" sz="1100" dirty="0"/>
-                        <a:t>점수 시스템</a:t>
-                      </a:r>
-                    </a:p>
-                  </a:txBody>
-                  <a:tcPr/>
-                </a:tc>
-                <a:tc>
-                  <a:txBody>
-                    <a:bodyPr/>
-                    <a:lstStyle/>
-                    <a:p>
-                      <a:pPr marL="342900" indent="-342900" latinLnBrk="1">
-                        <a:buAutoNum type="arabicPeriod"/>
-                      </a:pPr>
-                      <a:r>
-                        <a:rPr lang="ko-KR" altLang="en-US" sz="1100" dirty="0"/>
-                        <a:t>점수 증가 시스템 구현</a:t>
-                      </a:r>
-                      <a:endParaRPr lang="en-US" altLang="ko-KR" sz="1100" dirty="0"/>
-                    </a:p>
-                    <a:p>
-                      <a:pPr marL="342900" indent="-342900" latinLnBrk="1">
-                        <a:buAutoNum type="arabicPeriod"/>
-                      </a:pPr>
-                      <a:r>
-                        <a:rPr lang="ko-KR" altLang="en-US" sz="1100" dirty="0"/>
-                        <a:t>게임 오버 시스템 구현</a:t>
-                      </a:r>
-                    </a:p>
-                  </a:txBody>
-                  <a:tcPr/>
-                </a:tc>
-                <a:extLst>
-                  <a:ext uri="{0D108BD9-81ED-4DB2-BD59-A6C34878D82A}">
-                    <a16:rowId xmlns:a16="http://schemas.microsoft.com/office/drawing/2014/main" val="1281405676"/>
-                  </a:ext>
-                </a:extLst>
-              </a:tr>
-              <a:tr h="370840">
-                <a:tc>
-                  <a:txBody>
-                    <a:bodyPr/>
-                    <a:lstStyle/>
-                    <a:p>
-                      <a:pPr latinLnBrk="1"/>
-                      <a:r>
-                        <a:rPr lang="en-US" altLang="ko-KR" sz="1100" dirty="0"/>
-                        <a:t>9</a:t>
-                      </a:r>
-                      <a:r>
-                        <a:rPr lang="ko-KR" altLang="en-US" sz="1100" dirty="0"/>
-                        <a:t>주차</a:t>
-                      </a:r>
-                    </a:p>
-                  </a:txBody>
-                  <a:tcPr/>
-                </a:tc>
-                <a:tc>
-                  <a:txBody>
-                    <a:bodyPr/>
-                    <a:lstStyle/>
-                    <a:p>
-                      <a:pPr marL="0" marR="0" lvl="0" indent="0" algn="l" defTabSz="914400" rtl="0" eaLnBrk="1" fontAlgn="auto" latinLnBrk="1" hangingPunct="1">
-                        <a:lnSpc>
-                          <a:spcPct val="100000"/>
-                        </a:lnSpc>
-                        <a:spcBef>
-                          <a:spcPts val="0"/>
-                        </a:spcBef>
-                        <a:spcAft>
-                          <a:spcPts val="0"/>
-                        </a:spcAft>
-                        <a:buClrTx/>
-                        <a:buSzTx/>
-                        <a:buFontTx/>
-                        <a:buNone/>
-                        <a:tabLst/>
-                        <a:defRPr/>
-                      </a:pPr>
-                      <a:r>
-                        <a:rPr lang="en-US" altLang="ko-KR" sz="1100" dirty="0"/>
-                        <a:t>UI </a:t>
-                      </a:r>
-                      <a:r>
-                        <a:rPr lang="ko-KR" altLang="en-US" sz="1100" dirty="0"/>
-                        <a:t>추가 및 게임 종료와 재시작</a:t>
-                      </a:r>
-                    </a:p>
-                    <a:p>
-                      <a:pPr latinLnBrk="1"/>
-                      <a:endParaRPr lang="ko-KR" altLang="en-US" sz="1100" dirty="0"/>
-                    </a:p>
-                  </a:txBody>
-                  <a:tcPr/>
-                </a:tc>
-                <a:tc>
-                  <a:txBody>
-                    <a:bodyPr/>
-                    <a:lstStyle/>
-                    <a:p>
-                      <a:pPr marL="342900" indent="-342900" latinLnBrk="1">
-                        <a:buAutoNum type="arabicPeriod"/>
-                      </a:pPr>
-                      <a:r>
-                        <a:rPr lang="en-US" altLang="ko-KR" sz="1100" dirty="0"/>
-                        <a:t>UI</a:t>
-                      </a:r>
-                      <a:r>
-                        <a:rPr lang="ko-KR" altLang="en-US" sz="1100" dirty="0"/>
-                        <a:t> 추가</a:t>
-                      </a:r>
-                      <a:endParaRPr lang="en-US" altLang="ko-KR" sz="1100" dirty="0"/>
-                    </a:p>
-                    <a:p>
-                      <a:pPr marL="342900" indent="-342900" latinLnBrk="1">
-                        <a:buAutoNum type="arabicPeriod"/>
-                      </a:pPr>
-                      <a:r>
-                        <a:rPr lang="ko-KR" altLang="en-US" sz="1100" dirty="0"/>
-                        <a:t>게임 시작 화면 추가</a:t>
-                      </a:r>
-                      <a:endParaRPr lang="en-US" altLang="ko-KR" sz="1100" dirty="0"/>
-                    </a:p>
-                    <a:p>
-                      <a:pPr marL="342900" indent="-342900" latinLnBrk="1">
-                        <a:buAutoNum type="arabicPeriod"/>
-                      </a:pPr>
-                      <a:r>
-                        <a:rPr lang="ko-KR" altLang="en-US" sz="1100" dirty="0"/>
-                        <a:t>게임 종료 및 점수 화면 추가</a:t>
-                      </a:r>
-                      <a:endParaRPr lang="en-US" altLang="ko-KR" sz="1100" dirty="0"/>
-                    </a:p>
-                    <a:p>
-                      <a:pPr marL="342900" indent="-342900" latinLnBrk="1">
-                        <a:buAutoNum type="arabicPeriod"/>
-                      </a:pPr>
-                      <a:r>
-                        <a:rPr lang="ko-KR" altLang="en-US" sz="1100" dirty="0"/>
-                        <a:t>게임 재시작 설정</a:t>
-                      </a:r>
-                    </a:p>
-                  </a:txBody>
-                  <a:tcPr/>
-                </a:tc>
-                <a:extLst>
-                  <a:ext uri="{0D108BD9-81ED-4DB2-BD59-A6C34878D82A}">
-                    <a16:rowId xmlns:a16="http://schemas.microsoft.com/office/drawing/2014/main" val="3428492558"/>
-                  </a:ext>
-                </a:extLst>
-              </a:tr>
-              <a:tr h="370840">
-                <a:tc>
-                  <a:txBody>
-                    <a:bodyPr/>
-                    <a:lstStyle/>
-                    <a:p>
-                      <a:pPr latinLnBrk="1"/>
-                      <a:r>
-                        <a:rPr lang="en-US" altLang="ko-KR" sz="1100" dirty="0"/>
-                        <a:t>10</a:t>
-                      </a:r>
-                      <a:r>
-                        <a:rPr lang="ko-KR" altLang="en-US" sz="1100" dirty="0"/>
-                        <a:t>주차</a:t>
-                      </a:r>
-                    </a:p>
-                  </a:txBody>
-                  <a:tcPr/>
-                </a:tc>
-                <a:tc>
-                  <a:txBody>
-                    <a:bodyPr/>
-                    <a:lstStyle/>
-                    <a:p>
-                      <a:pPr latinLnBrk="1"/>
-                      <a:r>
-                        <a:rPr lang="ko-KR" altLang="en-US" sz="1100" dirty="0"/>
-                        <a:t>마무리</a:t>
-                      </a:r>
-                    </a:p>
-                  </a:txBody>
-                  <a:tcPr/>
-                </a:tc>
-                <a:tc>
-                  <a:txBody>
-                    <a:bodyPr/>
-                    <a:lstStyle/>
-                    <a:p>
-                      <a:pPr latinLnBrk="1"/>
-                      <a:r>
-                        <a:rPr lang="en-US" altLang="ko-KR" sz="1100" dirty="0"/>
-                        <a:t>1.     </a:t>
-                      </a:r>
-                      <a:r>
-                        <a:rPr lang="ko-KR" altLang="en-US" sz="1100" dirty="0"/>
-                        <a:t>최종 점검 및 릴리즈</a:t>
-                      </a:r>
-                    </a:p>
-                  </a:txBody>
-                  <a:tcPr/>
-                </a:tc>
-                <a:extLst>
-                  <a:ext uri="{0D108BD9-81ED-4DB2-BD59-A6C34878D82A}">
-                    <a16:rowId xmlns:a16="http://schemas.microsoft.com/office/drawing/2014/main" val="3555204619"/>
                   </a:ext>
                 </a:extLst>
               </a:tr>
@@ -8290,80 +8962,7 @@
             </a:lvl9pPr>
           </a:lstStyle>
           <a:p>
-            <a:r>
-              <a:rPr lang="ko-KR" altLang="en-US" dirty="0"/>
-              <a:t>현재 진행상황</a:t>
-            </a:r>
-            <a:endParaRPr lang="en-US" altLang="ko-KR" dirty="0"/>
-          </a:p>
-          <a:p>
-            <a:pPr marL="342900" indent="-342900">
-              <a:buFontTx/>
-              <a:buChar char="-"/>
-            </a:pPr>
-            <a:r>
-              <a:rPr lang="en-US" altLang="ko-KR" dirty="0"/>
-              <a:t>1</a:t>
-            </a:r>
-            <a:r>
-              <a:rPr lang="ko-KR" altLang="en-US" dirty="0"/>
-              <a:t>주차</a:t>
-            </a:r>
-            <a:endParaRPr lang="en-US" altLang="ko-KR" dirty="0"/>
-          </a:p>
-          <a:p>
-            <a:pPr marL="342900" indent="-342900">
-              <a:buFontTx/>
-              <a:buChar char="-"/>
-            </a:pPr>
-            <a:r>
-              <a:rPr lang="en-US" altLang="ko-KR" dirty="0"/>
-              <a:t>2</a:t>
-            </a:r>
-            <a:r>
-              <a:rPr lang="ko-KR" altLang="en-US" dirty="0"/>
-              <a:t>주차</a:t>
-            </a:r>
-            <a:endParaRPr lang="en-US" altLang="ko-KR" dirty="0"/>
-          </a:p>
-          <a:p>
-            <a:pPr marL="342900" indent="-342900">
-              <a:buFontTx/>
-              <a:buChar char="-"/>
-            </a:pPr>
-            <a:r>
-              <a:rPr lang="en-US" altLang="ko-KR" dirty="0"/>
-              <a:t>3</a:t>
-            </a:r>
-            <a:r>
-              <a:rPr lang="ko-KR" altLang="en-US" dirty="0"/>
-              <a:t>주차 </a:t>
-            </a:r>
-            <a:endParaRPr lang="en-US" altLang="ko-KR" dirty="0"/>
-          </a:p>
-          <a:p>
-            <a:pPr marL="342900" indent="-342900">
-              <a:buFontTx/>
-              <a:buChar char="-"/>
-            </a:pPr>
-            <a:r>
-              <a:rPr lang="en-US" altLang="ko-KR" dirty="0"/>
-              <a:t>4</a:t>
-            </a:r>
-            <a:r>
-              <a:rPr lang="ko-KR" altLang="en-US" dirty="0"/>
-              <a:t>주차</a:t>
-            </a:r>
-            <a:endParaRPr lang="en-US" altLang="ko-KR" dirty="0"/>
-          </a:p>
-          <a:p>
-            <a:endParaRPr lang="en-US" altLang="ko-KR" dirty="0"/>
-          </a:p>
-          <a:p>
-            <a:r>
-              <a:rPr lang="ko-KR" altLang="en-US" dirty="0"/>
-              <a:t>프로그램 데모 실행</a:t>
-            </a:r>
+            <a:endParaRPr lang="ko-KR" altLang="en-US" dirty="0"/>
           </a:p>
         </p:txBody>
       </p:sp>
@@ -8443,6 +9042,138 @@
           </a:prstGeom>
         </p:spPr>
       </p:pic>
+      <p:graphicFrame>
+        <p:nvGraphicFramePr>
+          <p:cNvPr id="2" name="표 2">
+            <a:extLst>
+              <a:ext uri="{FF2B5EF4-FFF2-40B4-BE49-F238E27FC236}">
+                <a16:creationId xmlns:a16="http://schemas.microsoft.com/office/drawing/2014/main" id="{294F4627-D177-96F7-D197-AB10AFB32759}"/>
+              </a:ext>
+            </a:extLst>
+          </p:cNvPr>
+          <p:cNvGraphicFramePr>
+            <a:graphicFrameLocks noGrp="1"/>
+          </p:cNvGraphicFramePr>
+          <p:nvPr>
+            <p:extLst>
+              <p:ext uri="{D42A27DB-BD31-4B8C-83A1-F6EECF244321}">
+                <p14:modId xmlns:p14="http://schemas.microsoft.com/office/powerpoint/2010/main" val="1321975050"/>
+              </p:ext>
+            </p:extLst>
+          </p:nvPr>
+        </p:nvGraphicFramePr>
+        <p:xfrm>
+          <a:off x="862469" y="2186016"/>
+          <a:ext cx="9300711" cy="748336"/>
+        </p:xfrm>
+        <a:graphic>
+          <a:graphicData uri="http://schemas.openxmlformats.org/drawingml/2006/table">
+            <a:tbl>
+              <a:tblPr firstRow="1" bandRow="1">
+                <a:tableStyleId>{F5AB1C69-6EDB-4FF4-983F-18BD219EF322}</a:tableStyleId>
+              </a:tblPr>
+              <a:tblGrid>
+                <a:gridCol w="3100237">
+                  <a:extLst>
+                    <a:ext uri="{9D8B030D-6E8A-4147-A177-3AD203B41FA5}">
+                      <a16:colId xmlns:a16="http://schemas.microsoft.com/office/drawing/2014/main" val="117116563"/>
+                    </a:ext>
+                  </a:extLst>
+                </a:gridCol>
+                <a:gridCol w="3100237">
+                  <a:extLst>
+                    <a:ext uri="{9D8B030D-6E8A-4147-A177-3AD203B41FA5}">
+                      <a16:colId xmlns:a16="http://schemas.microsoft.com/office/drawing/2014/main" val="778139518"/>
+                    </a:ext>
+                  </a:extLst>
+                </a:gridCol>
+                <a:gridCol w="3100237">
+                  <a:extLst>
+                    <a:ext uri="{9D8B030D-6E8A-4147-A177-3AD203B41FA5}">
+                      <a16:colId xmlns:a16="http://schemas.microsoft.com/office/drawing/2014/main" val="2380217141"/>
+                    </a:ext>
+                  </a:extLst>
+                </a:gridCol>
+              </a:tblGrid>
+              <a:tr h="748336">
+                <a:tc>
+                  <a:txBody>
+                    <a:bodyPr/>
+                    <a:lstStyle/>
+                    <a:p>
+                      <a:pPr latinLnBrk="1"/>
+                      <a:r>
+                        <a:rPr lang="en-US" altLang="ko-KR" sz="2000" dirty="0"/>
+                        <a:t>1</a:t>
+                      </a:r>
+                      <a:r>
+                        <a:rPr lang="ko-KR" altLang="en-US" sz="2000" dirty="0"/>
+                        <a:t>주차</a:t>
+                      </a:r>
+                    </a:p>
+                  </a:txBody>
+                  <a:tcPr>
+                    <a:solidFill>
+                      <a:schemeClr val="accent2">
+                        <a:lumMod val="60000"/>
+                        <a:lumOff val="40000"/>
+                      </a:schemeClr>
+                    </a:solidFill>
+                  </a:tcPr>
+                </a:tc>
+                <a:tc>
+                  <a:txBody>
+                    <a:bodyPr/>
+                    <a:lstStyle/>
+                    <a:p>
+                      <a:pPr latinLnBrk="1"/>
+                      <a:r>
+                        <a:rPr lang="ko-KR" altLang="en-US" sz="2000" dirty="0"/>
+                        <a:t>리소스 수집</a:t>
+                      </a:r>
+                    </a:p>
+                  </a:txBody>
+                  <a:tcPr>
+                    <a:solidFill>
+                      <a:schemeClr val="accent2">
+                        <a:lumMod val="60000"/>
+                        <a:lumOff val="40000"/>
+                      </a:schemeClr>
+                    </a:solidFill>
+                  </a:tcPr>
+                </a:tc>
+                <a:tc>
+                  <a:txBody>
+                    <a:bodyPr/>
+                    <a:lstStyle/>
+                    <a:p>
+                      <a:pPr latinLnBrk="1"/>
+                      <a:r>
+                        <a:rPr lang="en-US" altLang="ko-KR" sz="1800" dirty="0"/>
+                        <a:t>90%</a:t>
+                      </a:r>
+                      <a:endParaRPr lang="ko-KR" altLang="en-US" sz="1800" dirty="0"/>
+                    </a:p>
+                  </a:txBody>
+                  <a:tcPr>
+                    <a:solidFill>
+                      <a:schemeClr val="accent2">
+                        <a:lumMod val="60000"/>
+                        <a:lumOff val="40000"/>
+                      </a:schemeClr>
+                    </a:solidFill>
+                  </a:tcPr>
+                </a:tc>
+                <a:extLst>
+                  <a:ext uri="{0D108BD9-81ED-4DB2-BD59-A6C34878D82A}">
+                    <a16:rowId xmlns:a16="http://schemas.microsoft.com/office/drawing/2014/main" val="733096206"/>
+                  </a:ext>
+                </a:extLst>
+              </a:tr>
+            </a:tbl>
+          </a:graphicData>
+        </a:graphic>
+      </p:graphicFrame>
     </p:spTree>
     <p:extLst>
       <p:ext uri="{BB962C8B-B14F-4D97-AF65-F5344CB8AC3E}">
@@ -9501,80 +10232,7 @@
             </a:lvl9pPr>
           </a:lstStyle>
           <a:p>
-            <a:r>
-              <a:rPr lang="ko-KR" altLang="en-US" dirty="0"/>
-              <a:t>현재 진행상황</a:t>
-            </a:r>
-            <a:endParaRPr lang="en-US" altLang="ko-KR" dirty="0"/>
-          </a:p>
-          <a:p>
-            <a:pPr marL="342900" indent="-342900">
-              <a:buFontTx/>
-              <a:buChar char="-"/>
-            </a:pPr>
-            <a:r>
-              <a:rPr lang="en-US" altLang="ko-KR" dirty="0"/>
-              <a:t>1</a:t>
-            </a:r>
-            <a:r>
-              <a:rPr lang="ko-KR" altLang="en-US" dirty="0"/>
-              <a:t>주차</a:t>
-            </a:r>
-            <a:endParaRPr lang="en-US" altLang="ko-KR" dirty="0"/>
-          </a:p>
-          <a:p>
-            <a:pPr marL="342900" indent="-342900">
-              <a:buFontTx/>
-              <a:buChar char="-"/>
-            </a:pPr>
-            <a:r>
-              <a:rPr lang="en-US" altLang="ko-KR" dirty="0"/>
-              <a:t>2</a:t>
-            </a:r>
-            <a:r>
-              <a:rPr lang="ko-KR" altLang="en-US" dirty="0"/>
-              <a:t>주차</a:t>
-            </a:r>
-            <a:endParaRPr lang="en-US" altLang="ko-KR" dirty="0"/>
-          </a:p>
-          <a:p>
-            <a:pPr marL="342900" indent="-342900">
-              <a:buFontTx/>
-              <a:buChar char="-"/>
-            </a:pPr>
-            <a:r>
-              <a:rPr lang="en-US" altLang="ko-KR" dirty="0"/>
-              <a:t>3</a:t>
-            </a:r>
-            <a:r>
-              <a:rPr lang="ko-KR" altLang="en-US" dirty="0"/>
-              <a:t>주차 </a:t>
-            </a:r>
-            <a:endParaRPr lang="en-US" altLang="ko-KR" dirty="0"/>
-          </a:p>
-          <a:p>
-            <a:pPr marL="342900" indent="-342900">
-              <a:buFontTx/>
-              <a:buChar char="-"/>
-            </a:pPr>
-            <a:r>
-              <a:rPr lang="en-US" altLang="ko-KR" dirty="0"/>
-              <a:t>4</a:t>
-            </a:r>
-            <a:r>
-              <a:rPr lang="ko-KR" altLang="en-US" dirty="0"/>
-              <a:t>주차</a:t>
-            </a:r>
-            <a:endParaRPr lang="en-US" altLang="ko-KR" dirty="0"/>
-          </a:p>
-          <a:p>
-            <a:endParaRPr lang="en-US" altLang="ko-KR" dirty="0"/>
-          </a:p>
-          <a:p>
-            <a:r>
-              <a:rPr lang="ko-KR" altLang="en-US" dirty="0"/>
-              <a:t>프로그램 데모 실행</a:t>
-            </a:r>
+            <a:endParaRPr lang="ko-KR" altLang="en-US" dirty="0"/>
           </a:p>
         </p:txBody>
       </p:sp>
@@ -9654,6 +10312,197 @@
           </a:prstGeom>
         </p:spPr>
       </p:pic>
+      <p:graphicFrame>
+        <p:nvGraphicFramePr>
+          <p:cNvPr id="2" name="표 2">
+            <a:extLst>
+              <a:ext uri="{FF2B5EF4-FFF2-40B4-BE49-F238E27FC236}">
+                <a16:creationId xmlns:a16="http://schemas.microsoft.com/office/drawing/2014/main" id="{744CA20C-4DD5-D8C4-90E2-FE82356DAF2E}"/>
+              </a:ext>
+            </a:extLst>
+          </p:cNvPr>
+          <p:cNvGraphicFramePr>
+            <a:graphicFrameLocks noGrp="1"/>
+          </p:cNvGraphicFramePr>
+          <p:nvPr>
+            <p:extLst>
+              <p:ext uri="{D42A27DB-BD31-4B8C-83A1-F6EECF244321}">
+                <p14:modId xmlns:p14="http://schemas.microsoft.com/office/powerpoint/2010/main" val="3366799929"/>
+              </p:ext>
+            </p:extLst>
+          </p:nvPr>
+        </p:nvGraphicFramePr>
+        <p:xfrm>
+          <a:off x="862469" y="2186016"/>
+          <a:ext cx="10917728" cy="748336"/>
+        </p:xfrm>
+        <a:graphic>
+          <a:graphicData uri="http://schemas.openxmlformats.org/drawingml/2006/table">
+            <a:tbl>
+              <a:tblPr firstRow="1" bandRow="1">
+                <a:tableStyleId>{21E4AEA4-8DFA-4A89-87EB-49C32662AFE0}</a:tableStyleId>
+              </a:tblPr>
+              <a:tblGrid>
+                <a:gridCol w="1209061">
+                  <a:extLst>
+                    <a:ext uri="{9D8B030D-6E8A-4147-A177-3AD203B41FA5}">
+                      <a16:colId xmlns:a16="http://schemas.microsoft.com/office/drawing/2014/main" val="117116563"/>
+                    </a:ext>
+                  </a:extLst>
+                </a:gridCol>
+                <a:gridCol w="2918759">
+                  <a:extLst>
+                    <a:ext uri="{9D8B030D-6E8A-4147-A177-3AD203B41FA5}">
+                      <a16:colId xmlns:a16="http://schemas.microsoft.com/office/drawing/2014/main" val="778139518"/>
+                    </a:ext>
+                  </a:extLst>
+                </a:gridCol>
+                <a:gridCol w="4362741">
+                  <a:extLst>
+                    <a:ext uri="{9D8B030D-6E8A-4147-A177-3AD203B41FA5}">
+                      <a16:colId xmlns:a16="http://schemas.microsoft.com/office/drawing/2014/main" val="2380217141"/>
+                    </a:ext>
+                  </a:extLst>
+                </a:gridCol>
+                <a:gridCol w="2427167">
+                  <a:extLst>
+                    <a:ext uri="{9D8B030D-6E8A-4147-A177-3AD203B41FA5}">
+                      <a16:colId xmlns:a16="http://schemas.microsoft.com/office/drawing/2014/main" val="2535496886"/>
+                    </a:ext>
+                  </a:extLst>
+                </a:gridCol>
+              </a:tblGrid>
+              <a:tr h="748336">
+                <a:tc>
+                  <a:txBody>
+                    <a:bodyPr/>
+                    <a:lstStyle/>
+                    <a:p>
+                      <a:pPr latinLnBrk="1"/>
+                      <a:r>
+                        <a:rPr lang="en-US" altLang="ko-KR" sz="2000" dirty="0"/>
+                        <a:t>2</a:t>
+                      </a:r>
+                      <a:r>
+                        <a:rPr lang="ko-KR" altLang="en-US" sz="2000" dirty="0"/>
+                        <a:t>주차</a:t>
+                      </a:r>
+                    </a:p>
+                  </a:txBody>
+                  <a:tcPr>
+                    <a:solidFill>
+                      <a:schemeClr val="accent2">
+                        <a:lumMod val="60000"/>
+                        <a:lumOff val="40000"/>
+                      </a:schemeClr>
+                    </a:solidFill>
+                  </a:tcPr>
+                </a:tc>
+                <a:tc>
+                  <a:txBody>
+                    <a:bodyPr/>
+                    <a:lstStyle/>
+                    <a:p>
+                      <a:pPr marL="0" marR="0" lvl="0" indent="0" algn="l" defTabSz="914400" rtl="0" eaLnBrk="1" fontAlgn="auto" latinLnBrk="1" hangingPunct="1">
+                        <a:lnSpc>
+                          <a:spcPct val="100000"/>
+                        </a:lnSpc>
+                        <a:spcBef>
+                          <a:spcPts val="0"/>
+                        </a:spcBef>
+                        <a:spcAft>
+                          <a:spcPts val="0"/>
+                        </a:spcAft>
+                        <a:buClrTx/>
+                        <a:buSzTx/>
+                        <a:buFontTx/>
+                        <a:buNone/>
+                        <a:tabLst/>
+                        <a:defRPr/>
+                      </a:pPr>
+                      <a:r>
+                        <a:rPr lang="ko-KR" altLang="en-US" sz="2000" dirty="0"/>
+                        <a:t>캐릭터 애니메이션 설정</a:t>
+                      </a:r>
+                      <a:endParaRPr lang="en-US" altLang="ko-KR" sz="2000" dirty="0"/>
+                    </a:p>
+                  </a:txBody>
+                  <a:tcPr>
+                    <a:solidFill>
+                      <a:schemeClr val="accent2">
+                        <a:lumMod val="60000"/>
+                        <a:lumOff val="40000"/>
+                      </a:schemeClr>
+                    </a:solidFill>
+                  </a:tcPr>
+                </a:tc>
+                <a:tc>
+                  <a:txBody>
+                    <a:bodyPr/>
+                    <a:lstStyle/>
+                    <a:p>
+                      <a:pPr marL="342900" indent="-342900" latinLnBrk="1">
+                        <a:buAutoNum type="arabicPeriod"/>
+                      </a:pPr>
+                      <a:r>
+                        <a:rPr lang="ko-KR" altLang="en-US" sz="2000" dirty="0"/>
+                        <a:t>캐릭터 좌우 걷기 모션</a:t>
+                      </a:r>
+                      <a:endParaRPr lang="en-US" altLang="ko-KR" sz="2000" dirty="0"/>
+                    </a:p>
+                    <a:p>
+                      <a:pPr marL="342900" indent="-342900" latinLnBrk="1">
+                        <a:buAutoNum type="arabicPeriod"/>
+                      </a:pPr>
+                      <a:r>
+                        <a:rPr lang="ko-KR" altLang="en-US" sz="2000" dirty="0"/>
+                        <a:t>캐릭터 점프 모션</a:t>
+                      </a:r>
+                    </a:p>
+                  </a:txBody>
+                  <a:tcPr>
+                    <a:solidFill>
+                      <a:schemeClr val="accent2">
+                        <a:lumMod val="60000"/>
+                        <a:lumOff val="40000"/>
+                      </a:schemeClr>
+                    </a:solidFill>
+                  </a:tcPr>
+                </a:tc>
+                <a:tc>
+                  <a:txBody>
+                    <a:bodyPr/>
+                    <a:lstStyle/>
+                    <a:p>
+                      <a:pPr marL="0" indent="0" latinLnBrk="1">
+                        <a:buNone/>
+                      </a:pPr>
+                      <a:r>
+                        <a:rPr lang="en-US" altLang="ko-KR" sz="2000" dirty="0"/>
+                        <a:t>100%</a:t>
+                      </a:r>
+                      <a:endParaRPr lang="ko-KR" altLang="en-US" sz="2000" dirty="0"/>
+                    </a:p>
+                  </a:txBody>
+                  <a:tcPr>
+                    <a:solidFill>
+                      <a:schemeClr val="accent2">
+                        <a:lumMod val="60000"/>
+                        <a:lumOff val="40000"/>
+                      </a:schemeClr>
+                    </a:solidFill>
+                  </a:tcPr>
+                </a:tc>
+                <a:extLst>
+                  <a:ext uri="{0D108BD9-81ED-4DB2-BD59-A6C34878D82A}">
+                    <a16:rowId xmlns:a16="http://schemas.microsoft.com/office/drawing/2014/main" val="733096206"/>
+                  </a:ext>
+                </a:extLst>
+              </a:tr>
+            </a:tbl>
+          </a:graphicData>
+        </a:graphic>
+      </p:graphicFrame>
     </p:spTree>
     <p:extLst>
       <p:ext uri="{BB962C8B-B14F-4D97-AF65-F5344CB8AC3E}">
@@ -10712,80 +11561,7 @@
             </a:lvl9pPr>
           </a:lstStyle>
           <a:p>
-            <a:r>
-              <a:rPr lang="ko-KR" altLang="en-US" dirty="0"/>
-              <a:t>현재 진행상황</a:t>
-            </a:r>
-            <a:endParaRPr lang="en-US" altLang="ko-KR" dirty="0"/>
-          </a:p>
-          <a:p>
-            <a:pPr marL="342900" indent="-342900">
-              <a:buFontTx/>
-              <a:buChar char="-"/>
-            </a:pPr>
-            <a:r>
-              <a:rPr lang="en-US" altLang="ko-KR" dirty="0"/>
-              <a:t>1</a:t>
-            </a:r>
-            <a:r>
-              <a:rPr lang="ko-KR" altLang="en-US" dirty="0"/>
-              <a:t>주차</a:t>
-            </a:r>
-            <a:endParaRPr lang="en-US" altLang="ko-KR" dirty="0"/>
-          </a:p>
-          <a:p>
-            <a:pPr marL="342900" indent="-342900">
-              <a:buFontTx/>
-              <a:buChar char="-"/>
-            </a:pPr>
-            <a:r>
-              <a:rPr lang="en-US" altLang="ko-KR" dirty="0"/>
-              <a:t>2</a:t>
-            </a:r>
-            <a:r>
-              <a:rPr lang="ko-KR" altLang="en-US" dirty="0"/>
-              <a:t>주차</a:t>
-            </a:r>
-            <a:endParaRPr lang="en-US" altLang="ko-KR" dirty="0"/>
-          </a:p>
-          <a:p>
-            <a:pPr marL="342900" indent="-342900">
-              <a:buFontTx/>
-              <a:buChar char="-"/>
-            </a:pPr>
-            <a:r>
-              <a:rPr lang="en-US" altLang="ko-KR" dirty="0"/>
-              <a:t>3</a:t>
-            </a:r>
-            <a:r>
-              <a:rPr lang="ko-KR" altLang="en-US" dirty="0"/>
-              <a:t>주차 </a:t>
-            </a:r>
-            <a:endParaRPr lang="en-US" altLang="ko-KR" dirty="0"/>
-          </a:p>
-          <a:p>
-            <a:pPr marL="342900" indent="-342900">
-              <a:buFontTx/>
-              <a:buChar char="-"/>
-            </a:pPr>
-            <a:r>
-              <a:rPr lang="en-US" altLang="ko-KR" dirty="0"/>
-              <a:t>4</a:t>
-            </a:r>
-            <a:r>
-              <a:rPr lang="ko-KR" altLang="en-US" dirty="0"/>
-              <a:t>주차</a:t>
-            </a:r>
-            <a:endParaRPr lang="en-US" altLang="ko-KR" dirty="0"/>
-          </a:p>
-          <a:p>
-            <a:endParaRPr lang="en-US" altLang="ko-KR" dirty="0"/>
-          </a:p>
-          <a:p>
-            <a:r>
-              <a:rPr lang="ko-KR" altLang="en-US" dirty="0"/>
-              <a:t>프로그램 데모 실행</a:t>
-            </a:r>
+            <a:endParaRPr lang="ko-KR" altLang="en-US" dirty="0"/>
           </a:p>
         </p:txBody>
       </p:sp>
@@ -10865,6 +11641,178 @@
           </a:prstGeom>
         </p:spPr>
       </p:pic>
+      <p:graphicFrame>
+        <p:nvGraphicFramePr>
+          <p:cNvPr id="2" name="표 2">
+            <a:extLst>
+              <a:ext uri="{FF2B5EF4-FFF2-40B4-BE49-F238E27FC236}">
+                <a16:creationId xmlns:a16="http://schemas.microsoft.com/office/drawing/2014/main" id="{ED59EFC0-59B5-8198-8807-3239D9E37949}"/>
+              </a:ext>
+            </a:extLst>
+          </p:cNvPr>
+          <p:cNvGraphicFramePr>
+            <a:graphicFrameLocks noGrp="1"/>
+          </p:cNvGraphicFramePr>
+          <p:nvPr>
+            <p:extLst>
+              <p:ext uri="{D42A27DB-BD31-4B8C-83A1-F6EECF244321}">
+                <p14:modId xmlns:p14="http://schemas.microsoft.com/office/powerpoint/2010/main" val="2805685686"/>
+              </p:ext>
+            </p:extLst>
+          </p:nvPr>
+        </p:nvGraphicFramePr>
+        <p:xfrm>
+          <a:off x="862469" y="2186016"/>
+          <a:ext cx="10917728" cy="748336"/>
+        </p:xfrm>
+        <a:graphic>
+          <a:graphicData uri="http://schemas.openxmlformats.org/drawingml/2006/table">
+            <a:tbl>
+              <a:tblPr firstRow="1" bandRow="1">
+                <a:tableStyleId>{21E4AEA4-8DFA-4A89-87EB-49C32662AFE0}</a:tableStyleId>
+              </a:tblPr>
+              <a:tblGrid>
+                <a:gridCol w="1209061">
+                  <a:extLst>
+                    <a:ext uri="{9D8B030D-6E8A-4147-A177-3AD203B41FA5}">
+                      <a16:colId xmlns:a16="http://schemas.microsoft.com/office/drawing/2014/main" val="117116563"/>
+                    </a:ext>
+                  </a:extLst>
+                </a:gridCol>
+                <a:gridCol w="2918759">
+                  <a:extLst>
+                    <a:ext uri="{9D8B030D-6E8A-4147-A177-3AD203B41FA5}">
+                      <a16:colId xmlns:a16="http://schemas.microsoft.com/office/drawing/2014/main" val="778139518"/>
+                    </a:ext>
+                  </a:extLst>
+                </a:gridCol>
+                <a:gridCol w="4362741">
+                  <a:extLst>
+                    <a:ext uri="{9D8B030D-6E8A-4147-A177-3AD203B41FA5}">
+                      <a16:colId xmlns:a16="http://schemas.microsoft.com/office/drawing/2014/main" val="2380217141"/>
+                    </a:ext>
+                  </a:extLst>
+                </a:gridCol>
+                <a:gridCol w="2427167">
+                  <a:extLst>
+                    <a:ext uri="{9D8B030D-6E8A-4147-A177-3AD203B41FA5}">
+                      <a16:colId xmlns:a16="http://schemas.microsoft.com/office/drawing/2014/main" val="2535496886"/>
+                    </a:ext>
+                  </a:extLst>
+                </a:gridCol>
+              </a:tblGrid>
+              <a:tr h="748336">
+                <a:tc>
+                  <a:txBody>
+                    <a:bodyPr/>
+                    <a:lstStyle/>
+                    <a:p>
+                      <a:pPr latinLnBrk="1"/>
+                      <a:r>
+                        <a:rPr lang="en-US" altLang="ko-KR" sz="2000" dirty="0"/>
+                        <a:t>3</a:t>
+                      </a:r>
+                      <a:r>
+                        <a:rPr lang="ko-KR" altLang="en-US" sz="2000" dirty="0"/>
+                        <a:t>주차</a:t>
+                      </a:r>
+                    </a:p>
+                  </a:txBody>
+                  <a:tcPr>
+                    <a:solidFill>
+                      <a:schemeClr val="accent2">
+                        <a:lumMod val="60000"/>
+                        <a:lumOff val="40000"/>
+                      </a:schemeClr>
+                    </a:solidFill>
+                  </a:tcPr>
+                </a:tc>
+                <a:tc>
+                  <a:txBody>
+                    <a:bodyPr/>
+                    <a:lstStyle/>
+                    <a:p>
+                      <a:pPr latinLnBrk="1"/>
+                      <a:r>
+                        <a:rPr lang="ko-KR" altLang="en-US" sz="2000" dirty="0"/>
+                        <a:t>키보드 조작</a:t>
+                      </a:r>
+                    </a:p>
+                  </a:txBody>
+                  <a:tcPr>
+                    <a:solidFill>
+                      <a:schemeClr val="accent2">
+                        <a:lumMod val="60000"/>
+                        <a:lumOff val="40000"/>
+                      </a:schemeClr>
+                    </a:solidFill>
+                  </a:tcPr>
+                </a:tc>
+                <a:tc>
+                  <a:txBody>
+                    <a:bodyPr/>
+                    <a:lstStyle/>
+                    <a:p>
+                      <a:pPr marL="342900" indent="-342900" latinLnBrk="1">
+                        <a:buAutoNum type="arabicPeriod"/>
+                      </a:pPr>
+                      <a:r>
+                        <a:rPr lang="ko-KR" altLang="en-US" sz="2000" dirty="0"/>
+                        <a:t>캐릭터 이동 방향키 설정</a:t>
+                      </a:r>
+                      <a:endParaRPr lang="en-US" altLang="ko-KR" sz="2000" dirty="0"/>
+                    </a:p>
+                    <a:p>
+                      <a:pPr marL="342900" indent="-342900" latinLnBrk="1">
+                        <a:buAutoNum type="arabicPeriod"/>
+                      </a:pPr>
+                      <a:r>
+                        <a:rPr lang="ko-KR" altLang="en-US" sz="2000" dirty="0"/>
+                        <a:t>아이템 사용 키 설정</a:t>
+                      </a:r>
+                    </a:p>
+                  </a:txBody>
+                  <a:tcPr>
+                    <a:solidFill>
+                      <a:schemeClr val="accent2">
+                        <a:lumMod val="60000"/>
+                        <a:lumOff val="40000"/>
+                      </a:schemeClr>
+                    </a:solidFill>
+                  </a:tcPr>
+                </a:tc>
+                <a:tc>
+                  <a:txBody>
+                    <a:bodyPr/>
+                    <a:lstStyle/>
+                    <a:p>
+                      <a:pPr latinLnBrk="1"/>
+                      <a:r>
+                        <a:rPr lang="en-US" altLang="ko-KR" sz="2000" dirty="0"/>
+                        <a:t>70%</a:t>
+                      </a:r>
+                      <a:endParaRPr lang="ko-KR" altLang="en-US" sz="2000" dirty="0"/>
+                    </a:p>
+                  </a:txBody>
+                  <a:tcPr>
+                    <a:solidFill>
+                      <a:schemeClr val="accent2">
+                        <a:lumMod val="60000"/>
+                        <a:lumOff val="40000"/>
+                      </a:schemeClr>
+                    </a:solidFill>
+                  </a:tcPr>
+                </a:tc>
+                <a:extLst>
+                  <a:ext uri="{0D108BD9-81ED-4DB2-BD59-A6C34878D82A}">
+                    <a16:rowId xmlns:a16="http://schemas.microsoft.com/office/drawing/2014/main" val="733096206"/>
+                  </a:ext>
+                </a:extLst>
+              </a:tr>
+            </a:tbl>
+          </a:graphicData>
+        </a:graphic>
+      </p:graphicFrame>
     </p:spTree>
     <p:extLst>
       <p:ext uri="{BB962C8B-B14F-4D97-AF65-F5344CB8AC3E}">
@@ -11923,80 +12871,7 @@
             </a:lvl9pPr>
           </a:lstStyle>
           <a:p>
-            <a:r>
-              <a:rPr lang="ko-KR" altLang="en-US" dirty="0"/>
-              <a:t>현재 진행상황</a:t>
-            </a:r>
-            <a:endParaRPr lang="en-US" altLang="ko-KR" dirty="0"/>
-          </a:p>
-          <a:p>
-            <a:pPr marL="342900" indent="-342900">
-              <a:buFontTx/>
-              <a:buChar char="-"/>
-            </a:pPr>
-            <a:r>
-              <a:rPr lang="en-US" altLang="ko-KR" dirty="0"/>
-              <a:t>1</a:t>
-            </a:r>
-            <a:r>
-              <a:rPr lang="ko-KR" altLang="en-US" dirty="0"/>
-              <a:t>주차</a:t>
-            </a:r>
-            <a:endParaRPr lang="en-US" altLang="ko-KR" dirty="0"/>
-          </a:p>
-          <a:p>
-            <a:pPr marL="342900" indent="-342900">
-              <a:buFontTx/>
-              <a:buChar char="-"/>
-            </a:pPr>
-            <a:r>
-              <a:rPr lang="en-US" altLang="ko-KR" dirty="0"/>
-              <a:t>2</a:t>
-            </a:r>
-            <a:r>
-              <a:rPr lang="ko-KR" altLang="en-US" dirty="0"/>
-              <a:t>주차</a:t>
-            </a:r>
-            <a:endParaRPr lang="en-US" altLang="ko-KR" dirty="0"/>
-          </a:p>
-          <a:p>
-            <a:pPr marL="342900" indent="-342900">
-              <a:buFontTx/>
-              <a:buChar char="-"/>
-            </a:pPr>
-            <a:r>
-              <a:rPr lang="en-US" altLang="ko-KR" dirty="0"/>
-              <a:t>3</a:t>
-            </a:r>
-            <a:r>
-              <a:rPr lang="ko-KR" altLang="en-US" dirty="0"/>
-              <a:t>주차 </a:t>
-            </a:r>
-            <a:endParaRPr lang="en-US" altLang="ko-KR" dirty="0"/>
-          </a:p>
-          <a:p>
-            <a:pPr marL="342900" indent="-342900">
-              <a:buFontTx/>
-              <a:buChar char="-"/>
-            </a:pPr>
-            <a:r>
-              <a:rPr lang="en-US" altLang="ko-KR" dirty="0"/>
-              <a:t>4</a:t>
-            </a:r>
-            <a:r>
-              <a:rPr lang="ko-KR" altLang="en-US" dirty="0"/>
-              <a:t>주차</a:t>
-            </a:r>
-            <a:endParaRPr lang="en-US" altLang="ko-KR" dirty="0"/>
-          </a:p>
-          <a:p>
-            <a:endParaRPr lang="en-US" altLang="ko-KR" dirty="0"/>
-          </a:p>
-          <a:p>
-            <a:r>
-              <a:rPr lang="ko-KR" altLang="en-US" dirty="0"/>
-              <a:t>프로그램 데모 실행</a:t>
-            </a:r>
+            <a:endParaRPr lang="ko-KR" altLang="en-US" dirty="0"/>
           </a:p>
         </p:txBody>
       </p:sp>
@@ -12076,6 +12951,188 @@
           </a:prstGeom>
         </p:spPr>
       </p:pic>
+      <p:graphicFrame>
+        <p:nvGraphicFramePr>
+          <p:cNvPr id="2" name="표 2">
+            <a:extLst>
+              <a:ext uri="{FF2B5EF4-FFF2-40B4-BE49-F238E27FC236}">
+                <a16:creationId xmlns:a16="http://schemas.microsoft.com/office/drawing/2014/main" id="{0D0364D6-3C72-31BC-A123-1EA72ADE4498}"/>
+              </a:ext>
+            </a:extLst>
+          </p:cNvPr>
+          <p:cNvGraphicFramePr>
+            <a:graphicFrameLocks noGrp="1"/>
+          </p:cNvGraphicFramePr>
+          <p:nvPr>
+            <p:extLst>
+              <p:ext uri="{D42A27DB-BD31-4B8C-83A1-F6EECF244321}">
+                <p14:modId xmlns:p14="http://schemas.microsoft.com/office/powerpoint/2010/main" val="301680424"/>
+              </p:ext>
+            </p:extLst>
+          </p:nvPr>
+        </p:nvGraphicFramePr>
+        <p:xfrm>
+          <a:off x="862469" y="2186016"/>
+          <a:ext cx="10917728" cy="1005840"/>
+        </p:xfrm>
+        <a:graphic>
+          <a:graphicData uri="http://schemas.openxmlformats.org/drawingml/2006/table">
+            <a:tbl>
+              <a:tblPr firstRow="1" bandRow="1">
+                <a:tableStyleId>{21E4AEA4-8DFA-4A89-87EB-49C32662AFE0}</a:tableStyleId>
+              </a:tblPr>
+              <a:tblGrid>
+                <a:gridCol w="1209061">
+                  <a:extLst>
+                    <a:ext uri="{9D8B030D-6E8A-4147-A177-3AD203B41FA5}">
+                      <a16:colId xmlns:a16="http://schemas.microsoft.com/office/drawing/2014/main" val="117116563"/>
+                    </a:ext>
+                  </a:extLst>
+                </a:gridCol>
+                <a:gridCol w="2918759">
+                  <a:extLst>
+                    <a:ext uri="{9D8B030D-6E8A-4147-A177-3AD203B41FA5}">
+                      <a16:colId xmlns:a16="http://schemas.microsoft.com/office/drawing/2014/main" val="778139518"/>
+                    </a:ext>
+                  </a:extLst>
+                </a:gridCol>
+                <a:gridCol w="4362741">
+                  <a:extLst>
+                    <a:ext uri="{9D8B030D-6E8A-4147-A177-3AD203B41FA5}">
+                      <a16:colId xmlns:a16="http://schemas.microsoft.com/office/drawing/2014/main" val="2380217141"/>
+                    </a:ext>
+                  </a:extLst>
+                </a:gridCol>
+                <a:gridCol w="2427167">
+                  <a:extLst>
+                    <a:ext uri="{9D8B030D-6E8A-4147-A177-3AD203B41FA5}">
+                      <a16:colId xmlns:a16="http://schemas.microsoft.com/office/drawing/2014/main" val="2535496886"/>
+                    </a:ext>
+                  </a:extLst>
+                </a:gridCol>
+              </a:tblGrid>
+              <a:tr h="748336">
+                <a:tc>
+                  <a:txBody>
+                    <a:bodyPr/>
+                    <a:lstStyle/>
+                    <a:p>
+                      <a:pPr latinLnBrk="1"/>
+                      <a:r>
+                        <a:rPr lang="en-US" altLang="ko-KR" sz="2000" dirty="0"/>
+                        <a:t>4</a:t>
+                      </a:r>
+                      <a:r>
+                        <a:rPr lang="ko-KR" altLang="en-US" sz="2000" dirty="0"/>
+                        <a:t>주차</a:t>
+                      </a:r>
+                    </a:p>
+                  </a:txBody>
+                  <a:tcPr>
+                    <a:solidFill>
+                      <a:schemeClr val="accent2">
+                        <a:lumMod val="60000"/>
+                        <a:lumOff val="40000"/>
+                      </a:schemeClr>
+                    </a:solidFill>
+                  </a:tcPr>
+                </a:tc>
+                <a:tc>
+                  <a:txBody>
+                    <a:bodyPr/>
+                    <a:lstStyle/>
+                    <a:p>
+                      <a:pPr latinLnBrk="1"/>
+                      <a:r>
+                        <a:rPr lang="ko-KR" altLang="en-US" sz="2000" dirty="0"/>
+                        <a:t>장애물 설정</a:t>
+                      </a:r>
+                    </a:p>
+                  </a:txBody>
+                  <a:tcPr>
+                    <a:solidFill>
+                      <a:schemeClr val="accent2">
+                        <a:lumMod val="60000"/>
+                        <a:lumOff val="40000"/>
+                      </a:schemeClr>
+                    </a:solidFill>
+                  </a:tcPr>
+                </a:tc>
+                <a:tc>
+                  <a:txBody>
+                    <a:bodyPr/>
+                    <a:lstStyle/>
+                    <a:p>
+                      <a:pPr marL="342900" indent="-342900" latinLnBrk="1">
+                        <a:buAutoNum type="arabicPeriod"/>
+                      </a:pPr>
+                      <a:r>
+                        <a:rPr lang="ko-KR" altLang="en-US" sz="2000" dirty="0"/>
+                        <a:t>무작위로 떨어지는 장애물 구현</a:t>
+                      </a:r>
+                      <a:endParaRPr lang="en-US" altLang="ko-KR" sz="2000" dirty="0"/>
+                    </a:p>
+                    <a:p>
+                      <a:pPr marL="342900" indent="-342900" latinLnBrk="1">
+                        <a:buAutoNum type="arabicPeriod"/>
+                      </a:pPr>
+                      <a:r>
+                        <a:rPr lang="ko-KR" altLang="en-US" sz="2000" dirty="0"/>
+                        <a:t>떨어지는 아이템 구현</a:t>
+                      </a:r>
+                      <a:endParaRPr lang="en-US" altLang="ko-KR" sz="2000" dirty="0"/>
+                    </a:p>
+                    <a:p>
+                      <a:pPr marL="342900" indent="-342900" latinLnBrk="1">
+                        <a:buAutoNum type="arabicPeriod"/>
+                      </a:pPr>
+                      <a:r>
+                        <a:rPr lang="ko-KR" altLang="en-US" sz="2000" dirty="0"/>
+                        <a:t>떨어지는 코인 구현</a:t>
+                      </a:r>
+                    </a:p>
+                  </a:txBody>
+                  <a:tcPr>
+                    <a:solidFill>
+                      <a:schemeClr val="accent2">
+                        <a:lumMod val="60000"/>
+                        <a:lumOff val="40000"/>
+                      </a:schemeClr>
+                    </a:solidFill>
+                  </a:tcPr>
+                </a:tc>
+                <a:tc>
+                  <a:txBody>
+                    <a:bodyPr/>
+                    <a:lstStyle/>
+                    <a:p>
+                      <a:pPr latinLnBrk="1"/>
+                      <a:r>
+                        <a:rPr lang="en-US" altLang="ko-KR" sz="2000" dirty="0"/>
+                        <a:t>80%</a:t>
+                      </a:r>
+                      <a:endParaRPr lang="ko-KR" altLang="en-US" sz="2000" dirty="0"/>
+                    </a:p>
+                  </a:txBody>
+                  <a:tcPr>
+                    <a:solidFill>
+                      <a:schemeClr val="accent2">
+                        <a:lumMod val="60000"/>
+                        <a:lumOff val="40000"/>
+                      </a:schemeClr>
+                    </a:solidFill>
+                  </a:tcPr>
+                </a:tc>
+                <a:extLst>
+                  <a:ext uri="{0D108BD9-81ED-4DB2-BD59-A6C34878D82A}">
+                    <a16:rowId xmlns:a16="http://schemas.microsoft.com/office/drawing/2014/main" val="733096206"/>
+                  </a:ext>
+                </a:extLst>
+              </a:tr>
+            </a:tbl>
+          </a:graphicData>
+        </a:graphic>
+      </p:graphicFrame>
     </p:spTree>
     <p:extLst>
       <p:ext uri="{BB962C8B-B14F-4D97-AF65-F5344CB8AC3E}">
@@ -12178,11 +13235,11 @@
           <p:nvPr/>
         </p:nvPicPr>
         <p:blipFill>
-          <a:blip r:embed="rId2">
-            <a:extLst>
-              <a:ext uri="{BEBA8EAE-BF5A-486C-A8C5-ECC9F3942E4B}">
-                <a14:imgProps xmlns:a14="http://schemas.microsoft.com/office/drawing/2010/main">
-                  <a14:imgLayer r:embed="rId3">
+          <a:blip r:embed="rId4">
+            <a:extLst>
+              <a:ext uri="{BEBA8EAE-BF5A-486C-A8C5-ECC9F3942E4B}">
+                <a14:imgProps xmlns:a14="http://schemas.microsoft.com/office/drawing/2010/main">
+                  <a14:imgLayer r:embed="rId5">
                     <a14:imgEffect>
                       <a14:backgroundRemoval t="10000" b="90000" l="10000" r="90000"/>
                     </a14:imgEffect>
@@ -12223,11 +13280,11 @@
           <p:nvPr/>
         </p:nvPicPr>
         <p:blipFill>
-          <a:blip r:embed="rId2">
-            <a:extLst>
-              <a:ext uri="{BEBA8EAE-BF5A-486C-A8C5-ECC9F3942E4B}">
-                <a14:imgProps xmlns:a14="http://schemas.microsoft.com/office/drawing/2010/main">
-                  <a14:imgLayer r:embed="rId3">
+          <a:blip r:embed="rId4">
+            <a:extLst>
+              <a:ext uri="{BEBA8EAE-BF5A-486C-A8C5-ECC9F3942E4B}">
+                <a14:imgProps xmlns:a14="http://schemas.microsoft.com/office/drawing/2010/main">
+                  <a14:imgLayer r:embed="rId5">
                     <a14:imgEffect>
                       <a14:backgroundRemoval t="10000" b="90000" l="10000" r="90000"/>
                     </a14:imgEffect>
@@ -12268,11 +13325,11 @@
           <p:nvPr/>
         </p:nvPicPr>
         <p:blipFill>
-          <a:blip r:embed="rId2">
-            <a:extLst>
-              <a:ext uri="{BEBA8EAE-BF5A-486C-A8C5-ECC9F3942E4B}">
-                <a14:imgProps xmlns:a14="http://schemas.microsoft.com/office/drawing/2010/main">
-                  <a14:imgLayer r:embed="rId3">
+          <a:blip r:embed="rId4">
+            <a:extLst>
+              <a:ext uri="{BEBA8EAE-BF5A-486C-A8C5-ECC9F3942E4B}">
+                <a14:imgProps xmlns:a14="http://schemas.microsoft.com/office/drawing/2010/main">
+                  <a14:imgLayer r:embed="rId5">
                     <a14:imgEffect>
                       <a14:backgroundRemoval t="10000" b="90000" l="10000" r="90000"/>
                     </a14:imgEffect>
@@ -12313,11 +13370,11 @@
           <p:nvPr/>
         </p:nvPicPr>
         <p:blipFill>
-          <a:blip r:embed="rId2">
-            <a:extLst>
-              <a:ext uri="{BEBA8EAE-BF5A-486C-A8C5-ECC9F3942E4B}">
-                <a14:imgProps xmlns:a14="http://schemas.microsoft.com/office/drawing/2010/main">
-                  <a14:imgLayer r:embed="rId3">
+          <a:blip r:embed="rId4">
+            <a:extLst>
+              <a:ext uri="{BEBA8EAE-BF5A-486C-A8C5-ECC9F3942E4B}">
+                <a14:imgProps xmlns:a14="http://schemas.microsoft.com/office/drawing/2010/main">
+                  <a14:imgLayer r:embed="rId5">
                     <a14:imgEffect>
                       <a14:backgroundRemoval t="10000" b="90000" l="10000" r="90000"/>
                     </a14:imgEffect>
@@ -12358,11 +13415,11 @@
           <p:nvPr/>
         </p:nvPicPr>
         <p:blipFill>
-          <a:blip r:embed="rId2">
-            <a:extLst>
-              <a:ext uri="{BEBA8EAE-BF5A-486C-A8C5-ECC9F3942E4B}">
-                <a14:imgProps xmlns:a14="http://schemas.microsoft.com/office/drawing/2010/main">
-                  <a14:imgLayer r:embed="rId3">
+          <a:blip r:embed="rId4">
+            <a:extLst>
+              <a:ext uri="{BEBA8EAE-BF5A-486C-A8C5-ECC9F3942E4B}">
+                <a14:imgProps xmlns:a14="http://schemas.microsoft.com/office/drawing/2010/main">
+                  <a14:imgLayer r:embed="rId5">
                     <a14:imgEffect>
                       <a14:backgroundRemoval t="10000" b="90000" l="10000" r="90000"/>
                     </a14:imgEffect>
@@ -12403,11 +13460,11 @@
           <p:nvPr/>
         </p:nvPicPr>
         <p:blipFill>
-          <a:blip r:embed="rId2">
-            <a:extLst>
-              <a:ext uri="{BEBA8EAE-BF5A-486C-A8C5-ECC9F3942E4B}">
-                <a14:imgProps xmlns:a14="http://schemas.microsoft.com/office/drawing/2010/main">
-                  <a14:imgLayer r:embed="rId3">
+          <a:blip r:embed="rId4">
+            <a:extLst>
+              <a:ext uri="{BEBA8EAE-BF5A-486C-A8C5-ECC9F3942E4B}">
+                <a14:imgProps xmlns:a14="http://schemas.microsoft.com/office/drawing/2010/main">
+                  <a14:imgLayer r:embed="rId5">
                     <a14:imgEffect>
                       <a14:backgroundRemoval t="10000" b="90000" l="10000" r="90000"/>
                     </a14:imgEffect>
@@ -12448,11 +13505,11 @@
           <p:nvPr/>
         </p:nvPicPr>
         <p:blipFill>
-          <a:blip r:embed="rId2">
-            <a:extLst>
-              <a:ext uri="{BEBA8EAE-BF5A-486C-A8C5-ECC9F3942E4B}">
-                <a14:imgProps xmlns:a14="http://schemas.microsoft.com/office/drawing/2010/main">
-                  <a14:imgLayer r:embed="rId3">
+          <a:blip r:embed="rId4">
+            <a:extLst>
+              <a:ext uri="{BEBA8EAE-BF5A-486C-A8C5-ECC9F3942E4B}">
+                <a14:imgProps xmlns:a14="http://schemas.microsoft.com/office/drawing/2010/main">
+                  <a14:imgLayer r:embed="rId5">
                     <a14:imgEffect>
                       <a14:backgroundRemoval t="10000" b="90000" l="10000" r="90000"/>
                     </a14:imgEffect>
@@ -12493,11 +13550,11 @@
           <p:nvPr/>
         </p:nvPicPr>
         <p:blipFill>
-          <a:blip r:embed="rId2">
-            <a:extLst>
-              <a:ext uri="{BEBA8EAE-BF5A-486C-A8C5-ECC9F3942E4B}">
-                <a14:imgProps xmlns:a14="http://schemas.microsoft.com/office/drawing/2010/main">
-                  <a14:imgLayer r:embed="rId3">
+          <a:blip r:embed="rId4">
+            <a:extLst>
+              <a:ext uri="{BEBA8EAE-BF5A-486C-A8C5-ECC9F3942E4B}">
+                <a14:imgProps xmlns:a14="http://schemas.microsoft.com/office/drawing/2010/main">
+                  <a14:imgLayer r:embed="rId5">
                     <a14:imgEffect>
                       <a14:backgroundRemoval t="10000" b="90000" l="10000" r="90000"/>
                     </a14:imgEffect>
@@ -12538,11 +13595,11 @@
           <p:nvPr/>
         </p:nvPicPr>
         <p:blipFill>
-          <a:blip r:embed="rId2">
-            <a:extLst>
-              <a:ext uri="{BEBA8EAE-BF5A-486C-A8C5-ECC9F3942E4B}">
-                <a14:imgProps xmlns:a14="http://schemas.microsoft.com/office/drawing/2010/main">
-                  <a14:imgLayer r:embed="rId3">
+          <a:blip r:embed="rId4">
+            <a:extLst>
+              <a:ext uri="{BEBA8EAE-BF5A-486C-A8C5-ECC9F3942E4B}">
+                <a14:imgProps xmlns:a14="http://schemas.microsoft.com/office/drawing/2010/main">
+                  <a14:imgLayer r:embed="rId5">
                     <a14:imgEffect>
                       <a14:backgroundRemoval t="10000" b="90000" l="10000" r="90000"/>
                     </a14:imgEffect>
@@ -12583,11 +13640,11 @@
           <p:nvPr/>
         </p:nvPicPr>
         <p:blipFill>
-          <a:blip r:embed="rId2">
-            <a:extLst>
-              <a:ext uri="{BEBA8EAE-BF5A-486C-A8C5-ECC9F3942E4B}">
-                <a14:imgProps xmlns:a14="http://schemas.microsoft.com/office/drawing/2010/main">
-                  <a14:imgLayer r:embed="rId3">
+          <a:blip r:embed="rId4">
+            <a:extLst>
+              <a:ext uri="{BEBA8EAE-BF5A-486C-A8C5-ECC9F3942E4B}">
+                <a14:imgProps xmlns:a14="http://schemas.microsoft.com/office/drawing/2010/main">
+                  <a14:imgLayer r:embed="rId5">
                     <a14:imgEffect>
                       <a14:backgroundRemoval t="10000" b="90000" l="10000" r="90000"/>
                     </a14:imgEffect>
@@ -12628,11 +13685,11 @@
           <p:nvPr/>
         </p:nvPicPr>
         <p:blipFill>
-          <a:blip r:embed="rId2">
-            <a:extLst>
-              <a:ext uri="{BEBA8EAE-BF5A-486C-A8C5-ECC9F3942E4B}">
-                <a14:imgProps xmlns:a14="http://schemas.microsoft.com/office/drawing/2010/main">
-                  <a14:imgLayer r:embed="rId3">
+          <a:blip r:embed="rId4">
+            <a:extLst>
+              <a:ext uri="{BEBA8EAE-BF5A-486C-A8C5-ECC9F3942E4B}">
+                <a14:imgProps xmlns:a14="http://schemas.microsoft.com/office/drawing/2010/main">
+                  <a14:imgLayer r:embed="rId5">
                     <a14:imgEffect>
                       <a14:backgroundRemoval t="10000" b="90000" l="10000" r="90000"/>
                     </a14:imgEffect>
@@ -12673,11 +13730,11 @@
           <p:nvPr/>
         </p:nvPicPr>
         <p:blipFill>
-          <a:blip r:embed="rId2">
-            <a:extLst>
-              <a:ext uri="{BEBA8EAE-BF5A-486C-A8C5-ECC9F3942E4B}">
-                <a14:imgProps xmlns:a14="http://schemas.microsoft.com/office/drawing/2010/main">
-                  <a14:imgLayer r:embed="rId3">
+          <a:blip r:embed="rId4">
+            <a:extLst>
+              <a:ext uri="{BEBA8EAE-BF5A-486C-A8C5-ECC9F3942E4B}">
+                <a14:imgProps xmlns:a14="http://schemas.microsoft.com/office/drawing/2010/main">
+                  <a14:imgLayer r:embed="rId5">
                     <a14:imgEffect>
                       <a14:backgroundRemoval t="10000" b="90000" l="10000" r="90000"/>
                     </a14:imgEffect>
@@ -12718,11 +13775,11 @@
           <p:nvPr/>
         </p:nvPicPr>
         <p:blipFill>
-          <a:blip r:embed="rId2">
-            <a:extLst>
-              <a:ext uri="{BEBA8EAE-BF5A-486C-A8C5-ECC9F3942E4B}">
-                <a14:imgProps xmlns:a14="http://schemas.microsoft.com/office/drawing/2010/main">
-                  <a14:imgLayer r:embed="rId3">
+          <a:blip r:embed="rId4">
+            <a:extLst>
+              <a:ext uri="{BEBA8EAE-BF5A-486C-A8C5-ECC9F3942E4B}">
+                <a14:imgProps xmlns:a14="http://schemas.microsoft.com/office/drawing/2010/main">
+                  <a14:imgLayer r:embed="rId5">
                     <a14:imgEffect>
                       <a14:backgroundRemoval t="10000" b="90000" l="10000" r="90000"/>
                     </a14:imgEffect>
@@ -12763,11 +13820,11 @@
           <p:nvPr/>
         </p:nvPicPr>
         <p:blipFill>
-          <a:blip r:embed="rId2">
-            <a:extLst>
-              <a:ext uri="{BEBA8EAE-BF5A-486C-A8C5-ECC9F3942E4B}">
-                <a14:imgProps xmlns:a14="http://schemas.microsoft.com/office/drawing/2010/main">
-                  <a14:imgLayer r:embed="rId3">
+          <a:blip r:embed="rId4">
+            <a:extLst>
+              <a:ext uri="{BEBA8EAE-BF5A-486C-A8C5-ECC9F3942E4B}">
+                <a14:imgProps xmlns:a14="http://schemas.microsoft.com/office/drawing/2010/main">
+                  <a14:imgLayer r:embed="rId5">
                     <a14:imgEffect>
                       <a14:backgroundRemoval t="10000" b="90000" l="10000" r="90000"/>
                     </a14:imgEffect>
@@ -12808,11 +13865,11 @@
           <p:nvPr/>
         </p:nvPicPr>
         <p:blipFill>
-          <a:blip r:embed="rId2">
-            <a:extLst>
-              <a:ext uri="{BEBA8EAE-BF5A-486C-A8C5-ECC9F3942E4B}">
-                <a14:imgProps xmlns:a14="http://schemas.microsoft.com/office/drawing/2010/main">
-                  <a14:imgLayer r:embed="rId3">
+          <a:blip r:embed="rId4">
+            <a:extLst>
+              <a:ext uri="{BEBA8EAE-BF5A-486C-A8C5-ECC9F3942E4B}">
+                <a14:imgProps xmlns:a14="http://schemas.microsoft.com/office/drawing/2010/main">
+                  <a14:imgLayer r:embed="rId5">
                     <a14:imgEffect>
                       <a14:backgroundRemoval t="10000" b="90000" l="10000" r="90000"/>
                     </a14:imgEffect>
@@ -12853,11 +13910,11 @@
           <p:nvPr/>
         </p:nvPicPr>
         <p:blipFill>
-          <a:blip r:embed="rId2">
-            <a:extLst>
-              <a:ext uri="{BEBA8EAE-BF5A-486C-A8C5-ECC9F3942E4B}">
-                <a14:imgProps xmlns:a14="http://schemas.microsoft.com/office/drawing/2010/main">
-                  <a14:imgLayer r:embed="rId3">
+          <a:blip r:embed="rId4">
+            <a:extLst>
+              <a:ext uri="{BEBA8EAE-BF5A-486C-A8C5-ECC9F3942E4B}">
+                <a14:imgProps xmlns:a14="http://schemas.microsoft.com/office/drawing/2010/main">
+                  <a14:imgLayer r:embed="rId5">
                     <a14:imgEffect>
                       <a14:backgroundRemoval t="10000" b="90000" l="10000" r="90000"/>
                     </a14:imgEffect>
@@ -12932,9 +13989,10 @@
           <a:p>
             <a:pPr algn="l"/>
             <a:r>
-              <a:rPr lang="ko-KR" altLang="en-US" sz="4000" dirty="0"/>
-              <a:t>계획 변경사항</a:t>
+              <a:rPr lang="ko-KR" altLang="en-US" sz="4000"/>
+              <a:t>프로그램 실행</a:t>
             </a:r>
+            <a:endParaRPr lang="ko-KR" altLang="en-US" sz="4000" dirty="0"/>
           </a:p>
         </p:txBody>
       </p:sp>
@@ -13130,80 +14188,7 @@
             </a:lvl9pPr>
           </a:lstStyle>
           <a:p>
-            <a:r>
-              <a:rPr lang="ko-KR" altLang="en-US" dirty="0"/>
-              <a:t>현재 진행상황</a:t>
-            </a:r>
-            <a:endParaRPr lang="en-US" altLang="ko-KR" dirty="0"/>
-          </a:p>
-          <a:p>
-            <a:pPr marL="342900" indent="-342900">
-              <a:buFontTx/>
-              <a:buChar char="-"/>
-            </a:pPr>
-            <a:r>
-              <a:rPr lang="en-US" altLang="ko-KR" dirty="0"/>
-              <a:t>1</a:t>
-            </a:r>
-            <a:r>
-              <a:rPr lang="ko-KR" altLang="en-US" dirty="0"/>
-              <a:t>주차</a:t>
-            </a:r>
-            <a:endParaRPr lang="en-US" altLang="ko-KR" dirty="0"/>
-          </a:p>
-          <a:p>
-            <a:pPr marL="342900" indent="-342900">
-              <a:buFontTx/>
-              <a:buChar char="-"/>
-            </a:pPr>
-            <a:r>
-              <a:rPr lang="en-US" altLang="ko-KR" dirty="0"/>
-              <a:t>2</a:t>
-            </a:r>
-            <a:r>
-              <a:rPr lang="ko-KR" altLang="en-US" dirty="0"/>
-              <a:t>주차</a:t>
-            </a:r>
-            <a:endParaRPr lang="en-US" altLang="ko-KR" dirty="0"/>
-          </a:p>
-          <a:p>
-            <a:pPr marL="342900" indent="-342900">
-              <a:buFontTx/>
-              <a:buChar char="-"/>
-            </a:pPr>
-            <a:r>
-              <a:rPr lang="en-US" altLang="ko-KR" dirty="0"/>
-              <a:t>3</a:t>
-            </a:r>
-            <a:r>
-              <a:rPr lang="ko-KR" altLang="en-US" dirty="0"/>
-              <a:t>주차 </a:t>
-            </a:r>
-            <a:endParaRPr lang="en-US" altLang="ko-KR" dirty="0"/>
-          </a:p>
-          <a:p>
-            <a:pPr marL="342900" indent="-342900">
-              <a:buFontTx/>
-              <a:buChar char="-"/>
-            </a:pPr>
-            <a:r>
-              <a:rPr lang="en-US" altLang="ko-KR" dirty="0"/>
-              <a:t>4</a:t>
-            </a:r>
-            <a:r>
-              <a:rPr lang="ko-KR" altLang="en-US" dirty="0"/>
-              <a:t>주차</a:t>
-            </a:r>
-            <a:endParaRPr lang="en-US" altLang="ko-KR" dirty="0"/>
-          </a:p>
-          <a:p>
-            <a:endParaRPr lang="en-US" altLang="ko-KR" dirty="0"/>
-          </a:p>
-          <a:p>
-            <a:r>
-              <a:rPr lang="ko-KR" altLang="en-US" dirty="0"/>
-              <a:t>프로그램 데모 실행</a:t>
-            </a:r>
+            <a:endParaRPr lang="ko-KR" altLang="en-US" dirty="0"/>
           </a:p>
         </p:txBody>
       </p:sp>
@@ -13222,11 +14207,11 @@
           <p:nvPr/>
         </p:nvPicPr>
         <p:blipFill rotWithShape="1">
-          <a:blip r:embed="rId4">
-            <a:extLst>
-              <a:ext uri="{BEBA8EAE-BF5A-486C-A8C5-ECC9F3942E4B}">
-                <a14:imgProps xmlns:a14="http://schemas.microsoft.com/office/drawing/2010/main">
-                  <a14:imgLayer r:embed="rId5">
+          <a:blip r:embed="rId6">
+            <a:extLst>
+              <a:ext uri="{BEBA8EAE-BF5A-486C-A8C5-ECC9F3942E4B}">
+                <a14:imgProps xmlns:a14="http://schemas.microsoft.com/office/drawing/2010/main">
+                  <a14:imgLayer r:embed="rId7">
                     <a14:imgEffect>
                       <a14:backgroundRemoval t="4082" b="39286" l="3889" r="38519">
                         <a14:foregroundMark x1="17407" y1="38265" x2="17407" y2="38265"/>
@@ -13283,16 +14268,188 @@
           </a:prstGeom>
         </p:spPr>
       </p:pic>
+      <p:pic>
+        <p:nvPicPr>
+          <p:cNvPr id="3" name="Pico2D Canvas (720x540) 9.71 FPS 2022-10-18 17-53-42_Trim">
+            <a:hlinkClick r:id="" action="ppaction://media"/>
+            <a:extLst>
+              <a:ext uri="{FF2B5EF4-FFF2-40B4-BE49-F238E27FC236}">
+                <a16:creationId xmlns:a16="http://schemas.microsoft.com/office/drawing/2014/main" id="{270E8BFC-00E9-AE4D-54FE-DC3E0C16C0B0}"/>
+              </a:ext>
+            </a:extLst>
+          </p:cNvPr>
+          <p:cNvPicPr>
+            <a:picLocks noChangeAspect="1"/>
+          </p:cNvPicPr>
+          <p:nvPr>
+            <a:videoFile r:link="rId2"/>
+            <p:extLst>
+              <p:ext uri="{DAA4B4D4-6D71-4841-9C94-3DE7FCFB9230}">
+                <p14:media xmlns:p14="http://schemas.microsoft.com/office/powerpoint/2010/main" r:embed="rId1"/>
+              </p:ext>
+            </p:extLst>
+          </p:nvPr>
+        </p:nvPicPr>
+        <p:blipFill rotWithShape="1">
+          <a:blip r:embed="rId8"/>
+          <a:srcRect r="20751" b="20811"/>
+          <a:stretch/>
+        </p:blipFill>
+        <p:spPr>
+          <a:xfrm>
+            <a:off x="2916336" y="1549109"/>
+            <a:ext cx="6374968" cy="4776962"/>
+          </a:xfrm>
+          <a:prstGeom prst="rect">
+            <a:avLst/>
+          </a:prstGeom>
+        </p:spPr>
+      </p:pic>
     </p:spTree>
     <p:extLst>
       <p:ext uri="{BB962C8B-B14F-4D97-AF65-F5344CB8AC3E}">
-        <p14:creationId xmlns:p14="http://schemas.microsoft.com/office/powerpoint/2010/main" val="1612253710"/>
+        <p14:creationId xmlns:p14="http://schemas.microsoft.com/office/powerpoint/2010/main" val="2267465437"/>
       </p:ext>
     </p:extLst>
   </p:cSld>
   <p:clrMapOvr>
     <a:masterClrMapping/>
   </p:clrMapOvr>
+  <p:timing>
+    <p:tnLst>
+      <p:par>
+        <p:cTn id="1" dur="indefinite" restart="never" nodeType="tmRoot">
+          <p:childTnLst>
+            <p:seq concurrent="1" nextAc="seek">
+              <p:cTn id="2" dur="indefinite" nodeType="mainSeq">
+                <p:childTnLst>
+                  <p:par>
+                    <p:cTn id="3" fill="hold">
+                      <p:stCondLst>
+                        <p:cond delay="indefinite"/>
+                      </p:stCondLst>
+                      <p:childTnLst>
+                        <p:par>
+                          <p:cTn id="4" fill="hold">
+                            <p:stCondLst>
+                              <p:cond delay="0"/>
+                            </p:stCondLst>
+                            <p:childTnLst>
+                              <p:par>
+                                <p:cTn id="5" presetID="1" presetClass="mediacall" presetSubtype="0" fill="hold" nodeType="clickEffect">
+                                  <p:stCondLst>
+                                    <p:cond delay="0"/>
+                                  </p:stCondLst>
+                                  <p:childTnLst>
+                                    <p:cmd type="call" cmd="playFrom(0.0)">
+                                      <p:cBhvr>
+                                        <p:cTn id="6" dur="12586" fill="hold"/>
+                                        <p:tgtEl>
+                                          <p:spTgt spid="3"/>
+                                        </p:tgtEl>
+                                      </p:cBhvr>
+                                    </p:cmd>
+                                  </p:childTnLst>
+                                </p:cTn>
+                              </p:par>
+                            </p:childTnLst>
+                          </p:cTn>
+                        </p:par>
+                      </p:childTnLst>
+                    </p:cTn>
+                  </p:par>
+                </p:childTnLst>
+              </p:cTn>
+              <p:prevCondLst>
+                <p:cond evt="onPrev" delay="0">
+                  <p:tgtEl>
+                    <p:sldTgt/>
+                  </p:tgtEl>
+                </p:cond>
+              </p:prevCondLst>
+              <p:nextCondLst>
+                <p:cond evt="onNext" delay="0">
+                  <p:tgtEl>
+                    <p:sldTgt/>
+                  </p:tgtEl>
+                </p:cond>
+              </p:nextCondLst>
+            </p:seq>
+            <p:video>
+              <p:cMediaNode vol="80000">
+                <p:cTn id="7" fill="hold" display="0">
+                  <p:stCondLst>
+                    <p:cond delay="indefinite"/>
+                  </p:stCondLst>
+                </p:cTn>
+                <p:tgtEl>
+                  <p:spTgt spid="3"/>
+                </p:tgtEl>
+              </p:cMediaNode>
+            </p:video>
+            <p:seq concurrent="1" nextAc="seek">
+              <p:cTn id="8" restart="whenNotActive" fill="hold" evtFilter="cancelBubble" nodeType="interactiveSeq">
+                <p:stCondLst>
+                  <p:cond evt="onClick" delay="0">
+                    <p:tgtEl>
+                      <p:spTgt spid="3"/>
+                    </p:tgtEl>
+                  </p:cond>
+                </p:stCondLst>
+                <p:endSync evt="end" delay="0">
+                  <p:rtn val="all"/>
+                </p:endSync>
+                <p:childTnLst>
+                  <p:par>
+                    <p:cTn id="9" fill="hold">
+                      <p:stCondLst>
+                        <p:cond delay="0"/>
+                      </p:stCondLst>
+                      <p:childTnLst>
+                        <p:par>
+                          <p:cTn id="10" fill="hold">
+                            <p:stCondLst>
+                              <p:cond delay="0"/>
+                            </p:stCondLst>
+                            <p:childTnLst>
+                              <p:par>
+                                <p:cTn id="11" presetID="2" presetClass="mediacall" presetSubtype="0" fill="hold" nodeType="clickEffect">
+                                  <p:stCondLst>
+                                    <p:cond delay="0"/>
+                                  </p:stCondLst>
+                                  <p:childTnLst>
+                                    <p:cmd type="call" cmd="togglePause">
+                                      <p:cBhvr>
+                                        <p:cTn id="12" dur="1" fill="hold"/>
+                                        <p:tgtEl>
+                                          <p:spTgt spid="3"/>
+                                        </p:tgtEl>
+                                      </p:cBhvr>
+                                    </p:cmd>
+                                  </p:childTnLst>
+                                </p:cTn>
+                              </p:par>
+                            </p:childTnLst>
+                          </p:cTn>
+                        </p:par>
+                      </p:childTnLst>
+                    </p:cTn>
+                  </p:par>
+                </p:childTnLst>
+              </p:cTn>
+              <p:nextCondLst>
+                <p:cond evt="onClick" delay="0">
+                  <p:tgtEl>
+                    <p:spTgt spid="3"/>
+                  </p:tgtEl>
+                </p:cond>
+              </p:nextCondLst>
+            </p:seq>
+          </p:childTnLst>
+        </p:cTn>
+      </p:par>
+    </p:tnLst>
+  </p:timing>
 </p:sld>
 </file>
 
@@ -14139,10 +15296,9 @@
           <a:p>
             <a:pPr algn="l"/>
             <a:r>
-              <a:rPr lang="ko-KR" altLang="en-US" sz="4000"/>
-              <a:t>프로그램 실행</a:t>
+              <a:rPr lang="ko-KR" altLang="en-US" sz="4000" dirty="0"/>
+              <a:t>계획 변경사항</a:t>
             </a:r>
-            <a:endParaRPr lang="ko-KR" altLang="en-US" sz="4000" dirty="0"/>
           </a:p>
         </p:txBody>
       </p:sp>
@@ -14338,80 +15494,7 @@
             </a:lvl9pPr>
           </a:lstStyle>
           <a:p>
-            <a:r>
-              <a:rPr lang="ko-KR" altLang="en-US" dirty="0"/>
-              <a:t>현재 진행상황</a:t>
-            </a:r>
-            <a:endParaRPr lang="en-US" altLang="ko-KR" dirty="0"/>
-          </a:p>
-          <a:p>
-            <a:pPr marL="342900" indent="-342900">
-              <a:buFontTx/>
-              <a:buChar char="-"/>
-            </a:pPr>
-            <a:r>
-              <a:rPr lang="en-US" altLang="ko-KR" dirty="0"/>
-              <a:t>1</a:t>
-            </a:r>
-            <a:r>
-              <a:rPr lang="ko-KR" altLang="en-US" dirty="0"/>
-              <a:t>주차</a:t>
-            </a:r>
-            <a:endParaRPr lang="en-US" altLang="ko-KR" dirty="0"/>
-          </a:p>
-          <a:p>
-            <a:pPr marL="342900" indent="-342900">
-              <a:buFontTx/>
-              <a:buChar char="-"/>
-            </a:pPr>
-            <a:r>
-              <a:rPr lang="en-US" altLang="ko-KR" dirty="0"/>
-              <a:t>2</a:t>
-            </a:r>
-            <a:r>
-              <a:rPr lang="ko-KR" altLang="en-US" dirty="0"/>
-              <a:t>주차</a:t>
-            </a:r>
-            <a:endParaRPr lang="en-US" altLang="ko-KR" dirty="0"/>
-          </a:p>
-          <a:p>
-            <a:pPr marL="342900" indent="-342900">
-              <a:buFontTx/>
-              <a:buChar char="-"/>
-            </a:pPr>
-            <a:r>
-              <a:rPr lang="en-US" altLang="ko-KR" dirty="0"/>
-              <a:t>3</a:t>
-            </a:r>
-            <a:r>
-              <a:rPr lang="ko-KR" altLang="en-US" dirty="0"/>
-              <a:t>주차 </a:t>
-            </a:r>
-            <a:endParaRPr lang="en-US" altLang="ko-KR" dirty="0"/>
-          </a:p>
-          <a:p>
-            <a:pPr marL="342900" indent="-342900">
-              <a:buFontTx/>
-              <a:buChar char="-"/>
-            </a:pPr>
-            <a:r>
-              <a:rPr lang="en-US" altLang="ko-KR" dirty="0"/>
-              <a:t>4</a:t>
-            </a:r>
-            <a:r>
-              <a:rPr lang="ko-KR" altLang="en-US" dirty="0"/>
-              <a:t>주차</a:t>
-            </a:r>
-            <a:endParaRPr lang="en-US" altLang="ko-KR" dirty="0"/>
-          </a:p>
-          <a:p>
-            <a:endParaRPr lang="en-US" altLang="ko-KR" dirty="0"/>
-          </a:p>
-          <a:p>
-            <a:r>
-              <a:rPr lang="ko-KR" altLang="en-US" dirty="0"/>
-              <a:t>프로그램 데모 실행</a:t>
-            </a:r>
+            <a:endParaRPr lang="ko-KR" altLang="en-US" dirty="0"/>
           </a:p>
         </p:txBody>
       </p:sp>
@@ -14491,10 +15574,609 @@
           </a:prstGeom>
         </p:spPr>
       </p:pic>
+      <p:graphicFrame>
+        <p:nvGraphicFramePr>
+          <p:cNvPr id="2" name="표 6">
+            <a:extLst>
+              <a:ext uri="{FF2B5EF4-FFF2-40B4-BE49-F238E27FC236}">
+                <a16:creationId xmlns:a16="http://schemas.microsoft.com/office/drawing/2014/main" id="{CF703FB3-5DDF-E544-8EB5-3B27C7F0C238}"/>
+              </a:ext>
+            </a:extLst>
+          </p:cNvPr>
+          <p:cNvGraphicFramePr>
+            <a:graphicFrameLocks noGrp="1"/>
+          </p:cNvGraphicFramePr>
+          <p:nvPr>
+            <p:extLst>
+              <p:ext uri="{D42A27DB-BD31-4B8C-83A1-F6EECF244321}">
+                <p14:modId xmlns:p14="http://schemas.microsoft.com/office/powerpoint/2010/main" val="2253775526"/>
+              </p:ext>
+            </p:extLst>
+          </p:nvPr>
+        </p:nvGraphicFramePr>
+        <p:xfrm>
+          <a:off x="862469" y="1671786"/>
+          <a:ext cx="10372890" cy="4819237"/>
+        </p:xfrm>
+        <a:graphic>
+          <a:graphicData uri="http://schemas.openxmlformats.org/drawingml/2006/table">
+            <a:tbl>
+              <a:tblPr firstRow="1" bandRow="1">
+                <a:tableStyleId>{93296810-A885-4BE3-A3E7-6D5BEEA58F35}</a:tableStyleId>
+              </a:tblPr>
+              <a:tblGrid>
+                <a:gridCol w="1614289">
+                  <a:extLst>
+                    <a:ext uri="{9D8B030D-6E8A-4147-A177-3AD203B41FA5}">
+                      <a16:colId xmlns:a16="http://schemas.microsoft.com/office/drawing/2014/main" val="2211815775"/>
+                    </a:ext>
+                  </a:extLst>
+                </a:gridCol>
+                <a:gridCol w="3545964">
+                  <a:extLst>
+                    <a:ext uri="{9D8B030D-6E8A-4147-A177-3AD203B41FA5}">
+                      <a16:colId xmlns:a16="http://schemas.microsoft.com/office/drawing/2014/main" val="2129235657"/>
+                    </a:ext>
+                  </a:extLst>
+                </a:gridCol>
+                <a:gridCol w="5212637">
+                  <a:extLst>
+                    <a:ext uri="{9D8B030D-6E8A-4147-A177-3AD203B41FA5}">
+                      <a16:colId xmlns:a16="http://schemas.microsoft.com/office/drawing/2014/main" val="1786379811"/>
+                    </a:ext>
+                  </a:extLst>
+                </a:gridCol>
+              </a:tblGrid>
+              <a:tr h="666993">
+                <a:tc>
+                  <a:txBody>
+                    <a:bodyPr/>
+                    <a:lstStyle/>
+                    <a:p>
+                      <a:pPr latinLnBrk="1"/>
+                      <a:r>
+                        <a:rPr lang="en-US" altLang="ko-KR" sz="1600" dirty="0"/>
+                        <a:t>5</a:t>
+                      </a:r>
+                      <a:r>
+                        <a:rPr lang="ko-KR" altLang="en-US" sz="1600" dirty="0"/>
+                        <a:t>주차</a:t>
+                      </a:r>
+                    </a:p>
+                  </a:txBody>
+                  <a:tcPr/>
+                </a:tc>
+                <a:tc>
+                  <a:txBody>
+                    <a:bodyPr/>
+                    <a:lstStyle/>
+                    <a:p>
+                      <a:pPr latinLnBrk="1"/>
+                      <a:r>
+                        <a:rPr lang="ko-KR" altLang="en-US" sz="1600" dirty="0"/>
+                        <a:t>장애물 난이도 설정</a:t>
+                      </a:r>
+                    </a:p>
+                  </a:txBody>
+                  <a:tcPr/>
+                </a:tc>
+                <a:tc>
+                  <a:txBody>
+                    <a:bodyPr/>
+                    <a:lstStyle/>
+                    <a:p>
+                      <a:pPr marL="228600" indent="-228600" latinLnBrk="1">
+                        <a:buAutoNum type="arabicPeriod"/>
+                      </a:pPr>
+                      <a:r>
+                        <a:rPr lang="ko-KR" altLang="en-US" sz="1600" dirty="0"/>
+                        <a:t>  시간이 지남에 따라 장애물의 난이도</a:t>
+                      </a:r>
+                      <a:r>
+                        <a:rPr lang="en-US" altLang="ko-KR" sz="1600" dirty="0"/>
+                        <a:t>(</a:t>
+                      </a:r>
+                      <a:r>
+                        <a:rPr lang="ko-KR" altLang="en-US" sz="1600" dirty="0"/>
+                        <a:t>개수 및 속도</a:t>
+                      </a:r>
+                      <a:r>
+                        <a:rPr lang="en-US" altLang="ko-KR" sz="1600" dirty="0"/>
+                        <a:t>)</a:t>
+                      </a:r>
+                      <a:r>
+                        <a:rPr lang="ko-KR" altLang="en-US" sz="1600" dirty="0"/>
+                        <a:t> 올리기</a:t>
+                      </a:r>
+                      <a:endParaRPr lang="en-US" altLang="ko-KR" sz="1600" dirty="0"/>
+                    </a:p>
+                    <a:p>
+                      <a:pPr marL="228600" indent="-228600" latinLnBrk="1">
+                        <a:buAutoNum type="arabicPeriod"/>
+                      </a:pPr>
+                      <a:r>
+                        <a:rPr lang="ko-KR" altLang="en-US" sz="1600" dirty="0"/>
+                        <a:t>  슈퍼 장애물의 수 늘리기</a:t>
+                      </a:r>
+                    </a:p>
+                  </a:txBody>
+                  <a:tcPr/>
+                </a:tc>
+                <a:extLst>
+                  <a:ext uri="{0D108BD9-81ED-4DB2-BD59-A6C34878D82A}">
+                    <a16:rowId xmlns:a16="http://schemas.microsoft.com/office/drawing/2014/main" val="2210475263"/>
+                  </a:ext>
+                </a:extLst>
+              </a:tr>
+              <a:tr h="666993">
+                <a:tc>
+                  <a:txBody>
+                    <a:bodyPr/>
+                    <a:lstStyle/>
+                    <a:p>
+                      <a:pPr latinLnBrk="1"/>
+                      <a:r>
+                        <a:rPr lang="en-US" altLang="ko-KR" sz="1600" dirty="0"/>
+                        <a:t>6</a:t>
+                      </a:r>
+                      <a:r>
+                        <a:rPr lang="ko-KR" altLang="en-US" sz="1600" dirty="0"/>
+                        <a:t>주차</a:t>
+                      </a:r>
+                    </a:p>
+                  </a:txBody>
+                  <a:tcPr/>
+                </a:tc>
+                <a:tc>
+                  <a:txBody>
+                    <a:bodyPr/>
+                    <a:lstStyle/>
+                    <a:p>
+                      <a:pPr marL="0" marR="0" lvl="0" indent="0" algn="l" defTabSz="914400" rtl="0" eaLnBrk="1" fontAlgn="auto" latinLnBrk="1" hangingPunct="1">
+                        <a:lnSpc>
+                          <a:spcPct val="100000"/>
+                        </a:lnSpc>
+                        <a:spcBef>
+                          <a:spcPts val="0"/>
+                        </a:spcBef>
+                        <a:spcAft>
+                          <a:spcPts val="0"/>
+                        </a:spcAft>
+                        <a:buClrTx/>
+                        <a:buSzTx/>
+                        <a:buFontTx/>
+                        <a:buNone/>
+                        <a:tabLst/>
+                        <a:defRPr/>
+                      </a:pPr>
+                      <a:r>
+                        <a:rPr lang="ko-KR" altLang="en-US" sz="1600" dirty="0"/>
+                        <a:t>오브젝트 애니메이션</a:t>
+                      </a:r>
+                    </a:p>
+                  </a:txBody>
+                  <a:tcPr/>
+                </a:tc>
+                <a:tc>
+                  <a:txBody>
+                    <a:bodyPr/>
+                    <a:lstStyle/>
+                    <a:p>
+                      <a:pPr marL="342900" indent="-342900" latinLnBrk="1">
+                        <a:buAutoNum type="arabicPeriod"/>
+                      </a:pPr>
+                      <a:r>
+                        <a:rPr lang="ko-KR" altLang="en-US" sz="1600" dirty="0"/>
+                        <a:t>자석 아이템 실행 애니메이션</a:t>
+                      </a:r>
+                      <a:endParaRPr lang="en-US" altLang="ko-KR" sz="1600" dirty="0"/>
+                    </a:p>
+                    <a:p>
+                      <a:pPr marL="342900" indent="-342900" latinLnBrk="1">
+                        <a:buAutoNum type="arabicPeriod"/>
+                      </a:pPr>
+                      <a:r>
+                        <a:rPr lang="ko-KR" altLang="en-US" sz="1600" dirty="0"/>
+                        <a:t>폭탄 아이템 실행 애니메이션</a:t>
+                      </a:r>
+                      <a:endParaRPr lang="en-US" altLang="ko-KR" sz="1600" dirty="0"/>
+                    </a:p>
+                    <a:p>
+                      <a:pPr marL="342900" indent="-342900" latinLnBrk="1">
+                        <a:buAutoNum type="arabicPeriod"/>
+                      </a:pPr>
+                      <a:r>
+                        <a:rPr lang="ko-KR" altLang="en-US" sz="1600" b="1" dirty="0">
+                          <a:solidFill>
+                            <a:srgbClr val="0070C0"/>
+                          </a:solidFill>
+                        </a:rPr>
+                        <a:t>아이템 실행 구현</a:t>
+                      </a:r>
+                    </a:p>
+                  </a:txBody>
+                  <a:tcPr/>
+                </a:tc>
+                <a:extLst>
+                  <a:ext uri="{0D108BD9-81ED-4DB2-BD59-A6C34878D82A}">
+                    <a16:rowId xmlns:a16="http://schemas.microsoft.com/office/drawing/2014/main" val="2638726194"/>
+                  </a:ext>
+                </a:extLst>
+              </a:tr>
+              <a:tr h="579649">
+                <a:tc>
+                  <a:txBody>
+                    <a:bodyPr/>
+                    <a:lstStyle/>
+                    <a:p>
+                      <a:pPr latinLnBrk="1"/>
+                      <a:r>
+                        <a:rPr lang="en-US" altLang="ko-KR" sz="1600" dirty="0"/>
+                        <a:t>7</a:t>
+                      </a:r>
+                      <a:r>
+                        <a:rPr lang="ko-KR" altLang="en-US" sz="1600" dirty="0"/>
+                        <a:t>주차</a:t>
+                      </a:r>
+                    </a:p>
+                  </a:txBody>
+                  <a:tcPr/>
+                </a:tc>
+                <a:tc>
+                  <a:txBody>
+                    <a:bodyPr/>
+                    <a:lstStyle/>
+                    <a:p>
+                      <a:pPr marL="0" marR="0" lvl="0" indent="0" algn="l" defTabSz="914400" rtl="0" eaLnBrk="1" fontAlgn="auto" latinLnBrk="1" hangingPunct="1">
+                        <a:lnSpc>
+                          <a:spcPct val="100000"/>
+                        </a:lnSpc>
+                        <a:spcBef>
+                          <a:spcPts val="0"/>
+                        </a:spcBef>
+                        <a:spcAft>
+                          <a:spcPts val="0"/>
+                        </a:spcAft>
+                        <a:buClrTx/>
+                        <a:buSzTx/>
+                        <a:buFontTx/>
+                        <a:buNone/>
+                        <a:tabLst/>
+                        <a:defRPr/>
+                      </a:pPr>
+                      <a:r>
+                        <a:rPr lang="ko-KR" altLang="en-US" sz="1600" dirty="0"/>
+                        <a:t>충돌처리</a:t>
+                      </a:r>
+                    </a:p>
+                  </a:txBody>
+                  <a:tcPr/>
+                </a:tc>
+                <a:tc>
+                  <a:txBody>
+                    <a:bodyPr/>
+                    <a:lstStyle/>
+                    <a:p>
+                      <a:pPr marL="342900" indent="-342900" latinLnBrk="1">
+                        <a:buAutoNum type="arabicPeriod"/>
+                      </a:pPr>
+                      <a:r>
+                        <a:rPr lang="ko-KR" altLang="en-US" sz="1600" dirty="0"/>
+                        <a:t>장애물 및 아이템</a:t>
+                      </a:r>
+                      <a:r>
+                        <a:rPr lang="en-US" altLang="ko-KR" sz="1600" dirty="0"/>
+                        <a:t>, </a:t>
+                      </a:r>
+                      <a:r>
+                        <a:rPr lang="ko-KR" altLang="en-US" sz="1600" dirty="0"/>
+                        <a:t>코인과 캐릭터의 충돌 </a:t>
+                      </a:r>
+                      <a:endParaRPr lang="en-US" altLang="ko-KR" sz="1600" dirty="0"/>
+                    </a:p>
+                    <a:p>
+                      <a:pPr marL="0" indent="0" latinLnBrk="1">
+                        <a:buNone/>
+                      </a:pPr>
+                      <a:r>
+                        <a:rPr lang="en-US" altLang="ko-KR" sz="1600" b="1" dirty="0">
+                          <a:solidFill>
+                            <a:srgbClr val="0070C0"/>
+                          </a:solidFill>
+                        </a:rPr>
+                        <a:t>2.  </a:t>
+                      </a:r>
+                      <a:r>
+                        <a:rPr lang="ko-KR" altLang="en-US" sz="1600" b="1" dirty="0">
+                          <a:solidFill>
+                            <a:srgbClr val="0070C0"/>
+                          </a:solidFill>
+                        </a:rPr>
+                        <a:t>캐릭터 점프 구현</a:t>
+                      </a:r>
+                    </a:p>
+                  </a:txBody>
+                  <a:tcPr/>
+                </a:tc>
+                <a:extLst>
+                  <a:ext uri="{0D108BD9-81ED-4DB2-BD59-A6C34878D82A}">
+                    <a16:rowId xmlns:a16="http://schemas.microsoft.com/office/drawing/2014/main" val="2956127675"/>
+                  </a:ext>
+                </a:extLst>
+              </a:tr>
+              <a:tr h="666993">
+                <a:tc>
+                  <a:txBody>
+                    <a:bodyPr/>
+                    <a:lstStyle/>
+                    <a:p>
+                      <a:pPr latinLnBrk="1"/>
+                      <a:r>
+                        <a:rPr lang="en-US" altLang="ko-KR" sz="1600" dirty="0"/>
+                        <a:t>8</a:t>
+                      </a:r>
+                      <a:r>
+                        <a:rPr lang="ko-KR" altLang="en-US" sz="1600" dirty="0"/>
+                        <a:t>주차</a:t>
+                      </a:r>
+                    </a:p>
+                  </a:txBody>
+                  <a:tcPr/>
+                </a:tc>
+                <a:tc>
+                  <a:txBody>
+                    <a:bodyPr/>
+                    <a:lstStyle/>
+                    <a:p>
+                      <a:pPr marL="0" marR="0" lvl="0" indent="0" algn="l" defTabSz="914400" rtl="0" eaLnBrk="1" fontAlgn="auto" latinLnBrk="1" hangingPunct="1">
+                        <a:lnSpc>
+                          <a:spcPct val="100000"/>
+                        </a:lnSpc>
+                        <a:spcBef>
+                          <a:spcPts val="0"/>
+                        </a:spcBef>
+                        <a:spcAft>
+                          <a:spcPts val="0"/>
+                        </a:spcAft>
+                        <a:buClrTx/>
+                        <a:buSzTx/>
+                        <a:buFontTx/>
+                        <a:buNone/>
+                        <a:tabLst/>
+                        <a:defRPr/>
+                      </a:pPr>
+                      <a:r>
+                        <a:rPr lang="ko-KR" altLang="en-US" sz="1600" dirty="0"/>
+                        <a:t>점수 시스템</a:t>
+                      </a:r>
+                    </a:p>
+                  </a:txBody>
+                  <a:tcPr/>
+                </a:tc>
+                <a:tc>
+                  <a:txBody>
+                    <a:bodyPr/>
+                    <a:lstStyle/>
+                    <a:p>
+                      <a:pPr marL="342900" indent="-342900" latinLnBrk="1">
+                        <a:buAutoNum type="arabicPeriod"/>
+                      </a:pPr>
+                      <a:r>
+                        <a:rPr lang="ko-KR" altLang="en-US" sz="1600" dirty="0"/>
+                        <a:t>점수 증가 시스템 구현</a:t>
+                      </a:r>
+                      <a:endParaRPr lang="en-US" altLang="ko-KR" sz="1600" dirty="0"/>
+                    </a:p>
+                    <a:p>
+                      <a:pPr marL="342900" indent="-342900" latinLnBrk="1">
+                        <a:buAutoNum type="arabicPeriod"/>
+                      </a:pPr>
+                      <a:r>
+                        <a:rPr lang="ko-KR" altLang="en-US" sz="1600" dirty="0"/>
+                        <a:t>게임 오버 시스템 구현</a:t>
+                      </a:r>
+                      <a:endParaRPr lang="en-US" altLang="ko-KR" sz="1600" dirty="0"/>
+                    </a:p>
+                    <a:p>
+                      <a:pPr marL="342900" indent="-342900" latinLnBrk="1">
+                        <a:buAutoNum type="arabicPeriod"/>
+                      </a:pPr>
+                      <a:r>
+                        <a:rPr lang="ko-KR" altLang="en-US" sz="1600" b="1" dirty="0">
+                          <a:solidFill>
+                            <a:srgbClr val="0070C0"/>
+                          </a:solidFill>
+                        </a:rPr>
+                        <a:t>시계 추가</a:t>
+                      </a:r>
+                    </a:p>
+                  </a:txBody>
+                  <a:tcPr/>
+                </a:tc>
+                <a:extLst>
+                  <a:ext uri="{0D108BD9-81ED-4DB2-BD59-A6C34878D82A}">
+                    <a16:rowId xmlns:a16="http://schemas.microsoft.com/office/drawing/2014/main" val="1281405676"/>
+                  </a:ext>
+                </a:extLst>
+              </a:tr>
+              <a:tr h="1191059">
+                <a:tc>
+                  <a:txBody>
+                    <a:bodyPr/>
+                    <a:lstStyle/>
+                    <a:p>
+                      <a:pPr latinLnBrk="1"/>
+                      <a:r>
+                        <a:rPr lang="en-US" altLang="ko-KR" sz="1600" dirty="0"/>
+                        <a:t>9</a:t>
+                      </a:r>
+                      <a:r>
+                        <a:rPr lang="ko-KR" altLang="en-US" sz="1600" dirty="0"/>
+                        <a:t>주차</a:t>
+                      </a:r>
+                    </a:p>
+                  </a:txBody>
+                  <a:tcPr/>
+                </a:tc>
+                <a:tc>
+                  <a:txBody>
+                    <a:bodyPr/>
+                    <a:lstStyle/>
+                    <a:p>
+                      <a:pPr marL="0" marR="0" lvl="0" indent="0" algn="l" defTabSz="914400" rtl="0" eaLnBrk="1" fontAlgn="auto" latinLnBrk="1" hangingPunct="1">
+                        <a:lnSpc>
+                          <a:spcPct val="100000"/>
+                        </a:lnSpc>
+                        <a:spcBef>
+                          <a:spcPts val="0"/>
+                        </a:spcBef>
+                        <a:spcAft>
+                          <a:spcPts val="0"/>
+                        </a:spcAft>
+                        <a:buClrTx/>
+                        <a:buSzTx/>
+                        <a:buFontTx/>
+                        <a:buNone/>
+                        <a:tabLst/>
+                        <a:defRPr/>
+                      </a:pPr>
+                      <a:r>
+                        <a:rPr lang="en-US" altLang="ko-KR" sz="1600" dirty="0"/>
+                        <a:t>UI </a:t>
+                      </a:r>
+                      <a:r>
+                        <a:rPr lang="ko-KR" altLang="en-US" sz="1600" dirty="0"/>
+                        <a:t>추가 및 게임 종료와 재시작</a:t>
+                      </a:r>
+                    </a:p>
+                    <a:p>
+                      <a:pPr latinLnBrk="1"/>
+                      <a:endParaRPr lang="ko-KR" altLang="en-US" sz="1600" dirty="0"/>
+                    </a:p>
+                  </a:txBody>
+                  <a:tcPr/>
+                </a:tc>
+                <a:tc>
+                  <a:txBody>
+                    <a:bodyPr/>
+                    <a:lstStyle/>
+                    <a:p>
+                      <a:pPr marL="342900" indent="-342900" latinLnBrk="1">
+                        <a:buAutoNum type="arabicPeriod"/>
+                      </a:pPr>
+                      <a:r>
+                        <a:rPr lang="en-US" altLang="ko-KR" sz="1600" dirty="0"/>
+                        <a:t>UI</a:t>
+                      </a:r>
+                      <a:r>
+                        <a:rPr lang="ko-KR" altLang="en-US" sz="1600" dirty="0"/>
+                        <a:t> 추가</a:t>
+                      </a:r>
+                      <a:endParaRPr lang="en-US" altLang="ko-KR" sz="1600" dirty="0"/>
+                    </a:p>
+                    <a:p>
+                      <a:pPr marL="342900" indent="-342900" latinLnBrk="1">
+                        <a:buAutoNum type="arabicPeriod"/>
+                      </a:pPr>
+                      <a:r>
+                        <a:rPr lang="ko-KR" altLang="en-US" sz="1600" dirty="0"/>
+                        <a:t>게임 시작 화면 추가</a:t>
+                      </a:r>
+                      <a:endParaRPr lang="en-US" altLang="ko-KR" sz="1600" dirty="0"/>
+                    </a:p>
+                    <a:p>
+                      <a:pPr marL="342900" indent="-342900" latinLnBrk="1">
+                        <a:buAutoNum type="arabicPeriod"/>
+                      </a:pPr>
+                      <a:r>
+                        <a:rPr lang="ko-KR" altLang="en-US" sz="1600" dirty="0"/>
+                        <a:t>게임 종료 및 점수 화면 추가</a:t>
+                      </a:r>
+                      <a:endParaRPr lang="en-US" altLang="ko-KR" sz="1600" dirty="0"/>
+                    </a:p>
+                    <a:p>
+                      <a:pPr marL="342900" indent="-342900" latinLnBrk="1">
+                        <a:buAutoNum type="arabicPeriod"/>
+                      </a:pPr>
+                      <a:r>
+                        <a:rPr lang="ko-KR" altLang="en-US" sz="1600" dirty="0"/>
+                        <a:t>게임 재시작 설정</a:t>
+                      </a:r>
+                    </a:p>
+                  </a:txBody>
+                  <a:tcPr/>
+                </a:tc>
+                <a:extLst>
+                  <a:ext uri="{0D108BD9-81ED-4DB2-BD59-A6C34878D82A}">
+                    <a16:rowId xmlns:a16="http://schemas.microsoft.com/office/drawing/2014/main" val="3428492558"/>
+                  </a:ext>
+                </a:extLst>
+              </a:tr>
+              <a:tr h="579649">
+                <a:tc>
+                  <a:txBody>
+                    <a:bodyPr/>
+                    <a:lstStyle/>
+                    <a:p>
+                      <a:pPr latinLnBrk="1"/>
+                      <a:r>
+                        <a:rPr lang="en-US" altLang="ko-KR" sz="1600" dirty="0"/>
+                        <a:t>10</a:t>
+                      </a:r>
+                      <a:r>
+                        <a:rPr lang="ko-KR" altLang="en-US" sz="1600" dirty="0"/>
+                        <a:t>주차</a:t>
+                      </a:r>
+                    </a:p>
+                  </a:txBody>
+                  <a:tcPr/>
+                </a:tc>
+                <a:tc>
+                  <a:txBody>
+                    <a:bodyPr/>
+                    <a:lstStyle/>
+                    <a:p>
+                      <a:pPr latinLnBrk="1"/>
+                      <a:r>
+                        <a:rPr lang="ko-KR" altLang="en-US" sz="1600" dirty="0"/>
+                        <a:t>마무리</a:t>
+                      </a:r>
+                    </a:p>
+                  </a:txBody>
+                  <a:tcPr/>
+                </a:tc>
+                <a:tc>
+                  <a:txBody>
+                    <a:bodyPr/>
+                    <a:lstStyle/>
+                    <a:p>
+                      <a:pPr latinLnBrk="1"/>
+                      <a:r>
+                        <a:rPr lang="en-US" altLang="ko-KR" sz="1600" dirty="0"/>
+                        <a:t>1.     </a:t>
+                      </a:r>
+                      <a:r>
+                        <a:rPr lang="ko-KR" altLang="en-US" sz="1600" dirty="0"/>
+                        <a:t>최종 점검 및 릴리즈</a:t>
+                      </a:r>
+                    </a:p>
+                  </a:txBody>
+                  <a:tcPr/>
+                </a:tc>
+                <a:extLst>
+                  <a:ext uri="{0D108BD9-81ED-4DB2-BD59-A6C34878D82A}">
+                    <a16:rowId xmlns:a16="http://schemas.microsoft.com/office/drawing/2014/main" val="3555204619"/>
+                  </a:ext>
+                </a:extLst>
+              </a:tr>
+            </a:tbl>
+          </a:graphicData>
+        </a:graphic>
+      </p:graphicFrame>
     </p:spTree>
     <p:extLst>
       <p:ext uri="{BB962C8B-B14F-4D97-AF65-F5344CB8AC3E}">
-        <p14:creationId xmlns:p14="http://schemas.microsoft.com/office/powerpoint/2010/main" val="2267465437"/>
+        <p14:creationId xmlns:p14="http://schemas.microsoft.com/office/powerpoint/2010/main" val="1612253710"/>
       </p:ext>
     </p:extLst>
   </p:cSld>

--- a/2차 프로젝트 발표/2차 프로젝트 발표.pptx
+++ b/2차 프로젝트 발표/2차 프로젝트 발표.pptx
@@ -5432,6 +5432,42 @@
           <a:xfrm>
             <a:off x="9232062" y="4710472"/>
             <a:ext cx="2906949" cy="2114685"/>
+          </a:xfrm>
+          <a:prstGeom prst="rect">
+            <a:avLst/>
+          </a:prstGeom>
+        </p:spPr>
+      </p:pic>
+      <p:pic>
+        <p:nvPicPr>
+          <p:cNvPr id="3" name="그림 2">
+            <a:extLst>
+              <a:ext uri="{FF2B5EF4-FFF2-40B4-BE49-F238E27FC236}">
+                <a16:creationId xmlns:a16="http://schemas.microsoft.com/office/drawing/2014/main" id="{AB9F36E0-6F5C-6516-D7C5-721A2E9BD40F}"/>
+              </a:ext>
+            </a:extLst>
+          </p:cNvPr>
+          <p:cNvPicPr>
+            <a:picLocks noChangeAspect="1"/>
+          </p:cNvPicPr>
+          <p:nvPr/>
+        </p:nvPicPr>
+        <p:blipFill>
+          <a:blip r:embed="rId6">
+            <a:extLst>
+              <a:ext uri="{28A0092B-C50C-407E-A947-70E740481C1C}">
+                <a14:useLocalDpi xmlns:a14="http://schemas.microsoft.com/office/drawing/2010/main" val="0"/>
+              </a:ext>
+            </a:extLst>
+          </a:blip>
+          <a:stretch>
+            <a:fillRect/>
+          </a:stretch>
+        </p:blipFill>
+        <p:spPr>
+          <a:xfrm>
+            <a:off x="862469" y="1515250"/>
+            <a:ext cx="9326638" cy="4535422"/>
           </a:xfrm>
           <a:prstGeom prst="rect">
             <a:avLst/>
